--- a/项目文档/演示ppt/G10 项目总结PPT.pptx
+++ b/项目文档/演示ppt/G10 项目总结PPT.pptx
@@ -5,7 +5,7 @@
     <p:sldMasterId id="2147483648" r:id="rId1"/>
   </p:sldMasterIdLst>
   <p:notesMasterIdLst>
-    <p:notesMasterId r:id="rId16"/>
+    <p:notesMasterId r:id="rId17"/>
   </p:notesMasterIdLst>
   <p:sldIdLst>
     <p:sldId id="256" r:id="rId2"/>
@@ -21,7 +21,8 @@
     <p:sldId id="266" r:id="rId12"/>
     <p:sldId id="267" r:id="rId13"/>
     <p:sldId id="268" r:id="rId14"/>
-    <p:sldId id="269" r:id="rId15"/>
+    <p:sldId id="270" r:id="rId15"/>
+    <p:sldId id="269" r:id="rId16"/>
   </p:sldIdLst>
   <p:sldSz cx="12192000" cy="6858000"/>
   <p:notesSz cx="6858000" cy="12192000"/>
@@ -11771,6 +11772,50 @@
               </a:lnSpc>
             </a:pPr>
             <a:r>
+              <a:rPr lang="en-US" sz="1141" dirty="0" err="1">
+                <a:solidFill>
+                  <a:srgbClr val="212529"/>
+                </a:solidFill>
+                <a:latin typeface="MiSans" pitchFamily="34" charset="0"/>
+                <a:ea typeface="MiSans" pitchFamily="34" charset="-122"/>
+                <a:cs typeface="MiSans" pitchFamily="34" charset="-120"/>
+              </a:rPr>
+              <a:t>开发</a:t>
+            </a:r>
+            <a:r>
+              <a:rPr lang="zh-CN" altLang="en-US" sz="1141" dirty="0">
+                <a:solidFill>
+                  <a:srgbClr val="212529"/>
+                </a:solidFill>
+                <a:latin typeface="MiSans" pitchFamily="34" charset="0"/>
+                <a:ea typeface="MiSans" pitchFamily="34" charset="-122"/>
+                <a:cs typeface="MiSans" pitchFamily="34" charset="-120"/>
+              </a:rPr>
+              <a:t>适应</a:t>
+            </a:r>
+            <a:r>
+              <a:rPr lang="en-US" sz="1141" dirty="0" err="1">
+                <a:solidFill>
+                  <a:srgbClr val="212529"/>
+                </a:solidFill>
+                <a:latin typeface="MiSans" pitchFamily="34" charset="0"/>
+                <a:ea typeface="MiSans" pitchFamily="34" charset="-122"/>
+                <a:cs typeface="MiSans" pitchFamily="34" charset="-120"/>
+              </a:rPr>
+              <a:t>移动</a:t>
+            </a:r>
+            <a:r>
+              <a:rPr lang="zh-CN" altLang="en-US" sz="1141" dirty="0">
+                <a:solidFill>
+                  <a:srgbClr val="212529"/>
+                </a:solidFill>
+                <a:latin typeface="MiSans" pitchFamily="34" charset="0"/>
+                <a:ea typeface="MiSans" pitchFamily="34" charset="-122"/>
+                <a:cs typeface="MiSans" pitchFamily="34" charset="-120"/>
+              </a:rPr>
+              <a:t>端的界面</a:t>
+            </a:r>
+            <a:r>
               <a:rPr lang="en-US" sz="1141" dirty="0">
                 <a:solidFill>
                   <a:srgbClr val="212529"/>
@@ -11779,23 +11824,18 @@
                 <a:ea typeface="MiSans" pitchFamily="34" charset="-122"/>
                 <a:cs typeface="MiSans" pitchFamily="34" charset="-120"/>
               </a:rPr>
-              <a:t>开发移动应用或</a:t>
-            </a:r>
-            <a:r>
-              <a:rPr lang="en-US" sz="1141" dirty="0">
+              <a:t>，</a:t>
+            </a:r>
+            <a:r>
+              <a:rPr lang="en-US" sz="1141" dirty="0" err="1">
                 <a:solidFill>
-                  <a:srgbClr val="343A40"/>
+                  <a:srgbClr val="212529"/>
                 </a:solidFill>
-                <a:highlight>
-                  <a:srgbClr val="FFC107">
-                    <a:alpha val="20000"/>
-                  </a:srgbClr>
-                </a:highlight>
                 <a:latin typeface="MiSans" pitchFamily="34" charset="0"/>
                 <a:ea typeface="MiSans" pitchFamily="34" charset="-122"/>
                 <a:cs typeface="MiSans" pitchFamily="34" charset="-120"/>
               </a:rPr>
-              <a:t> PWA </a:t>
+              <a:t>提供更好支持</a:t>
             </a:r>
             <a:r>
               <a:rPr lang="en-US" sz="1141" dirty="0">
@@ -11806,7 +11846,7 @@
                 <a:ea typeface="MiSans" pitchFamily="34" charset="-122"/>
                 <a:cs typeface="MiSans" pitchFamily="34" charset="-120"/>
               </a:rPr>
-              <a:t>，提供更好支持。</a:t>
+              <a:t>。</a:t>
             </a:r>
             <a:endParaRPr lang="en-US" sz="1600" dirty="0"/>
           </a:p>
@@ -12297,113 +12337,6 @@
                 <a:cs typeface="MiSans" pitchFamily="34" charset="-120"/>
               </a:rPr>
               <a:t>提供的宝贵实践机会，让我们将理论知识应用于真实项目。</a:t>
-            </a:r>
-            <a:endParaRPr lang="en-US" sz="1600" dirty="0"/>
-          </a:p>
-        </p:txBody>
-      </p:sp>
-      <p:sp>
-        <p:nvSpPr>
-          <p:cNvPr id="51" name="Shape 48"/>
-          <p:cNvSpPr/>
-          <p:nvPr/>
-        </p:nvSpPr>
-        <p:spPr>
-          <a:xfrm>
-            <a:off x="6311340" y="4804384"/>
-            <a:ext cx="34273" cy="262681"/>
-          </a:xfrm>
-          <a:custGeom>
-            <a:avLst/>
-            <a:gdLst/>
-            <a:ahLst/>
-            <a:cxnLst/>
-            <a:rect l="l" t="t" r="r" b="b"/>
-            <a:pathLst>
-              <a:path w="34273" h="262681">
-                <a:moveTo>
-                  <a:pt x="0" y="0"/>
-                </a:moveTo>
-                <a:lnTo>
-                  <a:pt x="34273" y="0"/>
-                </a:lnTo>
-                <a:lnTo>
-                  <a:pt x="34273" y="262681"/>
-                </a:lnTo>
-                <a:lnTo>
-                  <a:pt x="0" y="262681"/>
-                </a:lnTo>
-                <a:lnTo>
-                  <a:pt x="0" y="0"/>
-                </a:lnTo>
-                <a:close/>
-              </a:path>
-            </a:pathLst>
-          </a:custGeom>
-          <a:solidFill>
-            <a:srgbClr val="FFC107"/>
-          </a:solidFill>
-          <a:ln/>
-        </p:spPr>
-      </p:sp>
-      <p:sp>
-        <p:nvSpPr>
-          <p:cNvPr id="52" name="Text 49"/>
-          <p:cNvSpPr/>
-          <p:nvPr/>
-        </p:nvSpPr>
-        <p:spPr>
-          <a:xfrm>
-            <a:off x="6473373" y="4804384"/>
-            <a:ext cx="5289842" cy="262681"/>
-          </a:xfrm>
-          <a:prstGeom prst="rect">
-            <a:avLst/>
-          </a:prstGeom>
-          <a:noFill/>
-          <a:ln/>
-        </p:spPr>
-        <p:txBody>
-          <a:bodyPr wrap="square" lIns="0" tIns="0" rIns="0" bIns="0" rtlCol="0" anchor="ctr"/>
-          <a:lstStyle/>
-          <a:p>
-            <a:pPr>
-              <a:lnSpc>
-                <a:spcPct val="140000"/>
-              </a:lnSpc>
-            </a:pPr>
-            <a:r>
-              <a:rPr lang="en-US" sz="1284" dirty="0">
-                <a:solidFill>
-                  <a:srgbClr val="F8F9FA"/>
-                </a:solidFill>
-                <a:latin typeface="MiSans" pitchFamily="34" charset="0"/>
-                <a:ea typeface="MiSans" pitchFamily="34" charset="-122"/>
-                <a:cs typeface="MiSans" pitchFamily="34" charset="-120"/>
-              </a:rPr>
-              <a:t>感谢</a:t>
-            </a:r>
-            <a:r>
-              <a:rPr lang="en-US" sz="1284" b="1" dirty="0">
-                <a:solidFill>
-                  <a:srgbClr val="FFC107"/>
-                </a:solidFill>
-                <a:latin typeface="MiSans" pitchFamily="34" charset="0"/>
-                <a:ea typeface="MiSans" pitchFamily="34" charset="-122"/>
-                <a:cs typeface="MiSans" pitchFamily="34" charset="-120"/>
-              </a:rPr>
-              <a:t>指导老师的悉心指点</a:t>
-            </a:r>
-            <a:r>
-              <a:rPr lang="en-US" sz="1284" dirty="0">
-                <a:solidFill>
-                  <a:srgbClr val="F8F9FA"/>
-                </a:solidFill>
-                <a:latin typeface="MiSans" pitchFamily="34" charset="0"/>
-                <a:ea typeface="MiSans" pitchFamily="34" charset="-122"/>
-                <a:cs typeface="MiSans" pitchFamily="34" charset="-120"/>
-              </a:rPr>
-              <a:t>，在关键节点给予专业建议。</a:t>
             </a:r>
             <a:endParaRPr lang="en-US" sz="1600" dirty="0"/>
           </a:p>
@@ -13333,7 +13266,7 @@
               </a:lnSpc>
             </a:pPr>
             <a:r>
-              <a:rPr lang="zh-CN" altLang="en-US" sz="972" dirty="0">
+              <a:rPr lang="zh-CN" altLang="en-US" sz="1000" dirty="0">
                 <a:solidFill>
                   <a:srgbClr val="212529"/>
                 </a:solidFill>
@@ -13343,7 +13276,7 @@
               </a:rPr>
               <a:t>甘特图更新</a:t>
             </a:r>
-            <a:endParaRPr lang="en-US" sz="1600" dirty="0"/>
+            <a:endParaRPr lang="en-US" dirty="0"/>
           </a:p>
         </p:txBody>
       </p:sp>
@@ -13450,7 +13383,7 @@
               </a:lnSpc>
             </a:pPr>
             <a:r>
-              <a:rPr lang="zh-CN" altLang="en-US" sz="972" dirty="0">
+              <a:rPr lang="zh-CN" altLang="en-US" sz="1000" dirty="0">
                 <a:solidFill>
                   <a:srgbClr val="212529"/>
                 </a:solidFill>
@@ -13460,7 +13393,7 @@
               </a:rPr>
               <a:t>补全会议纪要</a:t>
             </a:r>
-            <a:endParaRPr lang="en-US" sz="1600" dirty="0"/>
+            <a:endParaRPr lang="en-US" dirty="0"/>
           </a:p>
         </p:txBody>
       </p:sp>
@@ -13567,7 +13500,7 @@
               </a:lnSpc>
             </a:pPr>
             <a:r>
-              <a:rPr lang="zh-CN" altLang="en-US" sz="972" dirty="0">
+              <a:rPr lang="zh-CN" altLang="en-US" sz="1000" dirty="0">
                 <a:solidFill>
                   <a:srgbClr val="212529"/>
                 </a:solidFill>
@@ -13577,7 +13510,7 @@
               </a:rPr>
               <a:t>制作总结报告</a:t>
             </a:r>
-            <a:endParaRPr lang="en-US" sz="1600" dirty="0"/>
+            <a:endParaRPr lang="en-US" dirty="0"/>
           </a:p>
         </p:txBody>
       </p:sp>
@@ -13684,7 +13617,7 @@
               </a:lnSpc>
             </a:pPr>
             <a:r>
-              <a:rPr lang="zh-CN" altLang="en-US" sz="972" dirty="0">
+              <a:rPr lang="zh-CN" altLang="en-US" sz="1000" dirty="0">
                 <a:solidFill>
                   <a:srgbClr val="212529"/>
                 </a:solidFill>
@@ -13695,7 +13628,7 @@
               <a:t>审查总结</a:t>
             </a:r>
             <a:r>
-              <a:rPr lang="en-US" altLang="zh-CN" sz="972" dirty="0">
+              <a:rPr lang="en-US" altLang="zh-CN" sz="1000" dirty="0">
                 <a:solidFill>
                   <a:srgbClr val="212529"/>
                 </a:solidFill>
@@ -13705,7 +13638,7 @@
               </a:rPr>
               <a:t>ppt</a:t>
             </a:r>
-            <a:endParaRPr lang="en-US" sz="1600" dirty="0"/>
+            <a:endParaRPr lang="en-US" dirty="0"/>
           </a:p>
         </p:txBody>
       </p:sp>
@@ -14262,7 +14195,7 @@
             </a:r>
             <a:r>
               <a:rPr lang="en-US" altLang="zh-CN" dirty="0"/>
-              <a:t>:85</a:t>
+              <a:t>:90</a:t>
             </a:r>
             <a:endParaRPr lang="zh-CN" altLang="en-US" dirty="0"/>
           </a:p>
@@ -14282,6 +14215,1072 @@
 </file>
 
 <file path=ppt/slides/slide14.xml><?xml version="1.0" encoding="utf-8"?>
+<p:sld xmlns:a="http://schemas.openxmlformats.org/drawingml/2006/main" xmlns:r="http://schemas.openxmlformats.org/officeDocument/2006/relationships" xmlns:p="http://schemas.openxmlformats.org/presentationml/2006/main">
+  <p:cSld>
+    <p:spTree>
+      <p:nvGrpSpPr>
+        <p:cNvPr id="1" name="">
+          <a:extLst>
+            <a:ext uri="{FF2B5EF4-FFF2-40B4-BE49-F238E27FC236}">
+              <a16:creationId xmlns:a16="http://schemas.microsoft.com/office/drawing/2014/main" id="{FDC49A07-F775-C2C1-B81F-7275F3F1B64D}"/>
+            </a:ext>
+          </a:extLst>
+        </p:cNvPr>
+        <p:cNvGrpSpPr/>
+        <p:nvPr/>
+      </p:nvGrpSpPr>
+      <p:grpSpPr>
+        <a:xfrm>
+          <a:off x="0" y="0"/>
+          <a:ext cx="0" cy="0"/>
+          <a:chOff x="0" y="0"/>
+          <a:chExt cx="0" cy="0"/>
+        </a:xfrm>
+      </p:grpSpPr>
+      <p:pic>
+        <p:nvPicPr>
+          <p:cNvPr id="9" name="Image 0" descr="https://kimi-img.moonshot.cn/pub/slides/slides_tmpl/image/25-10-09-16:35:25-d3jn7j8s8jdo4os5dj20.jpg">
+            <a:extLst>
+              <a:ext uri="{FF2B5EF4-FFF2-40B4-BE49-F238E27FC236}">
+                <a16:creationId xmlns:a16="http://schemas.microsoft.com/office/drawing/2014/main" id="{0D1BB519-D2D3-167C-BE58-D92B97B84DA1}"/>
+              </a:ext>
+            </a:extLst>
+          </p:cNvPr>
+          <p:cNvPicPr>
+            <a:picLocks noChangeAspect="1"/>
+          </p:cNvPicPr>
+          <p:nvPr/>
+        </p:nvPicPr>
+        <p:blipFill>
+          <a:blip r:embed="rId2"/>
+          <a:stretch>
+            <a:fillRect/>
+          </a:stretch>
+        </p:blipFill>
+        <p:spPr>
+          <a:xfrm>
+            <a:off x="0" y="-635"/>
+            <a:ext cx="12192000" cy="6858635"/>
+          </a:xfrm>
+          <a:prstGeom prst="rect">
+            <a:avLst/>
+          </a:prstGeom>
+        </p:spPr>
+      </p:pic>
+      <p:sp>
+        <p:nvSpPr>
+          <p:cNvPr id="2" name="Shape 18">
+            <a:extLst>
+              <a:ext uri="{FF2B5EF4-FFF2-40B4-BE49-F238E27FC236}">
+                <a16:creationId xmlns:a16="http://schemas.microsoft.com/office/drawing/2014/main" id="{F2D66E12-78C0-5641-8D66-301F45A8E4A4}"/>
+              </a:ext>
+            </a:extLst>
+          </p:cNvPr>
+          <p:cNvSpPr/>
+          <p:nvPr/>
+        </p:nvSpPr>
+        <p:spPr>
+          <a:xfrm>
+            <a:off x="229406" y="901031"/>
+            <a:ext cx="5742770" cy="5788242"/>
+          </a:xfrm>
+          <a:custGeom>
+            <a:avLst/>
+            <a:gdLst/>
+            <a:ahLst/>
+            <a:cxnLst/>
+            <a:rect l="l" t="t" r="r" b="b"/>
+            <a:pathLst>
+              <a:path w="3707780" h="1281386">
+                <a:moveTo>
+                  <a:pt x="35161" y="0"/>
+                </a:moveTo>
+                <a:lnTo>
+                  <a:pt x="3672619" y="0"/>
+                </a:lnTo>
+                <a:cubicBezTo>
+                  <a:pt x="3692038" y="0"/>
+                  <a:pt x="3707780" y="15742"/>
+                  <a:pt x="3707780" y="35161"/>
+                </a:cubicBezTo>
+                <a:lnTo>
+                  <a:pt x="3707780" y="1169879"/>
+                </a:lnTo>
+                <a:cubicBezTo>
+                  <a:pt x="3707780" y="1231463"/>
+                  <a:pt x="3657857" y="1281386"/>
+                  <a:pt x="3596274" y="1281386"/>
+                </a:cubicBezTo>
+                <a:lnTo>
+                  <a:pt x="111506" y="1281386"/>
+                </a:lnTo>
+                <a:cubicBezTo>
+                  <a:pt x="49923" y="1281386"/>
+                  <a:pt x="0" y="1231463"/>
+                  <a:pt x="0" y="1169879"/>
+                </a:cubicBezTo>
+                <a:lnTo>
+                  <a:pt x="0" y="35161"/>
+                </a:lnTo>
+                <a:cubicBezTo>
+                  <a:pt x="0" y="15755"/>
+                  <a:pt x="15755" y="0"/>
+                  <a:pt x="35161" y="0"/>
+                </a:cubicBezTo>
+                <a:close/>
+              </a:path>
+            </a:pathLst>
+          </a:custGeom>
+          <a:solidFill>
+            <a:srgbClr val="FFFFFF"/>
+          </a:solidFill>
+          <a:ln/>
+          <a:effectLst>
+            <a:outerShdw blurRad="139390" dist="92927" dir="5400000" algn="bl" rotWithShape="0">
+              <a:srgbClr val="000000">
+                <a:alpha val="10196"/>
+              </a:srgbClr>
+            </a:outerShdw>
+          </a:effectLst>
+        </p:spPr>
+        <p:txBody>
+          <a:bodyPr/>
+          <a:lstStyle/>
+          <a:p>
+            <a:endParaRPr lang="zh-CN" altLang="en-US" dirty="0"/>
+          </a:p>
+        </p:txBody>
+      </p:sp>
+      <p:sp>
+        <p:nvSpPr>
+          <p:cNvPr id="3" name="Shape 19">
+            <a:extLst>
+              <a:ext uri="{FF2B5EF4-FFF2-40B4-BE49-F238E27FC236}">
+                <a16:creationId xmlns:a16="http://schemas.microsoft.com/office/drawing/2014/main" id="{ACCF7F92-3351-AD1D-1107-527C748AE801}"/>
+              </a:ext>
+            </a:extLst>
+          </p:cNvPr>
+          <p:cNvSpPr/>
+          <p:nvPr/>
+        </p:nvSpPr>
+        <p:spPr>
+          <a:xfrm>
+            <a:off x="229406" y="901032"/>
+            <a:ext cx="5742770" cy="92855"/>
+          </a:xfrm>
+          <a:custGeom>
+            <a:avLst/>
+            <a:gdLst/>
+            <a:ahLst/>
+            <a:cxnLst/>
+            <a:rect l="l" t="t" r="r" b="b"/>
+            <a:pathLst>
+              <a:path w="3707780" h="35161">
+                <a:moveTo>
+                  <a:pt x="35161" y="0"/>
+                </a:moveTo>
+                <a:lnTo>
+                  <a:pt x="3672619" y="0"/>
+                </a:lnTo>
+                <a:cubicBezTo>
+                  <a:pt x="3692038" y="0"/>
+                  <a:pt x="3707780" y="15742"/>
+                  <a:pt x="3707780" y="35161"/>
+                </a:cubicBezTo>
+                <a:lnTo>
+                  <a:pt x="3707780" y="35161"/>
+                </a:lnTo>
+                <a:lnTo>
+                  <a:pt x="0" y="35161"/>
+                </a:lnTo>
+                <a:lnTo>
+                  <a:pt x="0" y="35161"/>
+                </a:lnTo>
+                <a:cubicBezTo>
+                  <a:pt x="0" y="15755"/>
+                  <a:pt x="15755" y="0"/>
+                  <a:pt x="35161" y="0"/>
+                </a:cubicBezTo>
+                <a:close/>
+              </a:path>
+            </a:pathLst>
+          </a:custGeom>
+          <a:solidFill>
+            <a:srgbClr val="0056B3"/>
+          </a:solidFill>
+          <a:ln/>
+        </p:spPr>
+      </p:sp>
+      <p:sp>
+        <p:nvSpPr>
+          <p:cNvPr id="4" name="Shape 34">
+            <a:extLst>
+              <a:ext uri="{FF2B5EF4-FFF2-40B4-BE49-F238E27FC236}">
+                <a16:creationId xmlns:a16="http://schemas.microsoft.com/office/drawing/2014/main" id="{8CE95D6A-E734-2685-92C3-F72E7DFAB249}"/>
+              </a:ext>
+            </a:extLst>
+          </p:cNvPr>
+          <p:cNvSpPr/>
+          <p:nvPr/>
+        </p:nvSpPr>
+        <p:spPr>
+          <a:xfrm>
+            <a:off x="6219825" y="901031"/>
+            <a:ext cx="5742770" cy="5788242"/>
+          </a:xfrm>
+          <a:custGeom>
+            <a:avLst/>
+            <a:gdLst/>
+            <a:ahLst/>
+            <a:cxnLst/>
+            <a:rect l="l" t="t" r="r" b="b"/>
+            <a:pathLst>
+              <a:path w="3707780" h="1281386">
+                <a:moveTo>
+                  <a:pt x="35161" y="0"/>
+                </a:moveTo>
+                <a:lnTo>
+                  <a:pt x="3672619" y="0"/>
+                </a:lnTo>
+                <a:cubicBezTo>
+                  <a:pt x="3692038" y="0"/>
+                  <a:pt x="3707780" y="15742"/>
+                  <a:pt x="3707780" y="35161"/>
+                </a:cubicBezTo>
+                <a:lnTo>
+                  <a:pt x="3707780" y="1169879"/>
+                </a:lnTo>
+                <a:cubicBezTo>
+                  <a:pt x="3707780" y="1231463"/>
+                  <a:pt x="3657857" y="1281386"/>
+                  <a:pt x="3596274" y="1281386"/>
+                </a:cubicBezTo>
+                <a:lnTo>
+                  <a:pt x="111506" y="1281386"/>
+                </a:lnTo>
+                <a:cubicBezTo>
+                  <a:pt x="49923" y="1281386"/>
+                  <a:pt x="0" y="1231463"/>
+                  <a:pt x="0" y="1169879"/>
+                </a:cubicBezTo>
+                <a:lnTo>
+                  <a:pt x="0" y="35161"/>
+                </a:lnTo>
+                <a:cubicBezTo>
+                  <a:pt x="0" y="15755"/>
+                  <a:pt x="15755" y="0"/>
+                  <a:pt x="35161" y="0"/>
+                </a:cubicBezTo>
+                <a:close/>
+              </a:path>
+            </a:pathLst>
+          </a:custGeom>
+          <a:solidFill>
+            <a:srgbClr val="FFFFFF"/>
+          </a:solidFill>
+          <a:ln/>
+          <a:effectLst>
+            <a:outerShdw blurRad="139390" dist="92927" dir="5400000" algn="bl" rotWithShape="0">
+              <a:srgbClr val="000000">
+                <a:alpha val="10196"/>
+              </a:srgbClr>
+            </a:outerShdw>
+          </a:effectLst>
+        </p:spPr>
+      </p:sp>
+      <p:sp>
+        <p:nvSpPr>
+          <p:cNvPr id="5" name="Shape 35">
+            <a:extLst>
+              <a:ext uri="{FF2B5EF4-FFF2-40B4-BE49-F238E27FC236}">
+                <a16:creationId xmlns:a16="http://schemas.microsoft.com/office/drawing/2014/main" id="{86A043EB-151A-1556-6C99-5725C8850A86}"/>
+              </a:ext>
+            </a:extLst>
+          </p:cNvPr>
+          <p:cNvSpPr/>
+          <p:nvPr/>
+        </p:nvSpPr>
+        <p:spPr>
+          <a:xfrm>
+            <a:off x="6219825" y="901032"/>
+            <a:ext cx="5742770" cy="91518"/>
+          </a:xfrm>
+          <a:custGeom>
+            <a:avLst/>
+            <a:gdLst/>
+            <a:ahLst/>
+            <a:cxnLst/>
+            <a:rect l="l" t="t" r="r" b="b"/>
+            <a:pathLst>
+              <a:path w="3707780" h="35161">
+                <a:moveTo>
+                  <a:pt x="35161" y="0"/>
+                </a:moveTo>
+                <a:lnTo>
+                  <a:pt x="3672619" y="0"/>
+                </a:lnTo>
+                <a:cubicBezTo>
+                  <a:pt x="3692038" y="0"/>
+                  <a:pt x="3707780" y="15742"/>
+                  <a:pt x="3707780" y="35161"/>
+                </a:cubicBezTo>
+                <a:lnTo>
+                  <a:pt x="3707780" y="35161"/>
+                </a:lnTo>
+                <a:lnTo>
+                  <a:pt x="0" y="35161"/>
+                </a:lnTo>
+                <a:lnTo>
+                  <a:pt x="0" y="35161"/>
+                </a:lnTo>
+                <a:cubicBezTo>
+                  <a:pt x="0" y="15755"/>
+                  <a:pt x="15755" y="0"/>
+                  <a:pt x="35161" y="0"/>
+                </a:cubicBezTo>
+                <a:close/>
+              </a:path>
+            </a:pathLst>
+          </a:custGeom>
+          <a:solidFill>
+            <a:srgbClr val="343A40"/>
+          </a:solidFill>
+          <a:ln/>
+        </p:spPr>
+      </p:sp>
+      <p:sp>
+        <p:nvSpPr>
+          <p:cNvPr id="8" name="Text 2">
+            <a:extLst>
+              <a:ext uri="{FF2B5EF4-FFF2-40B4-BE49-F238E27FC236}">
+                <a16:creationId xmlns:a16="http://schemas.microsoft.com/office/drawing/2014/main" id="{43026CE1-C8C6-608D-31A8-4C758A07DCC8}"/>
+              </a:ext>
+            </a:extLst>
+          </p:cNvPr>
+          <p:cNvSpPr/>
+          <p:nvPr/>
+        </p:nvSpPr>
+        <p:spPr>
+          <a:xfrm>
+            <a:off x="182939" y="168727"/>
+            <a:ext cx="3430480" cy="434782"/>
+          </a:xfrm>
+          <a:prstGeom prst="rect">
+            <a:avLst/>
+          </a:prstGeom>
+          <a:noFill/>
+          <a:ln/>
+        </p:spPr>
+        <p:txBody>
+          <a:bodyPr wrap="square" lIns="0" tIns="0" rIns="0" bIns="0" rtlCol="0" anchor="ctr"/>
+          <a:lstStyle/>
+          <a:p>
+            <a:pPr>
+              <a:lnSpc>
+                <a:spcPct val="80000"/>
+              </a:lnSpc>
+            </a:pPr>
+            <a:r>
+              <a:rPr lang="zh-CN" altLang="en-US" sz="3423" b="1" dirty="0">
+                <a:solidFill>
+                  <a:srgbClr val="343A40"/>
+                </a:solidFill>
+                <a:latin typeface="阿里妈妈数黑体" pitchFamily="34" charset="0"/>
+                <a:ea typeface="阿里妈妈数黑体" pitchFamily="34" charset="-122"/>
+                <a:cs typeface="阿里妈妈数黑体" pitchFamily="34" charset="-120"/>
+              </a:rPr>
+              <a:t>项目总体评价</a:t>
+            </a:r>
+            <a:endParaRPr lang="en-US" sz="1600" dirty="0"/>
+          </a:p>
+        </p:txBody>
+      </p:sp>
+      <p:sp>
+        <p:nvSpPr>
+          <p:cNvPr id="6" name="Shape 9">
+            <a:extLst>
+              <a:ext uri="{FF2B5EF4-FFF2-40B4-BE49-F238E27FC236}">
+                <a16:creationId xmlns:a16="http://schemas.microsoft.com/office/drawing/2014/main" id="{5D0B5374-7343-09D5-24C4-E8028898B2A0}"/>
+              </a:ext>
+            </a:extLst>
+          </p:cNvPr>
+          <p:cNvSpPr/>
+          <p:nvPr/>
+        </p:nvSpPr>
+        <p:spPr>
+          <a:xfrm>
+            <a:off x="271095" y="1092411"/>
+            <a:ext cx="423150" cy="423150"/>
+          </a:xfrm>
+          <a:custGeom>
+            <a:avLst/>
+            <a:gdLst/>
+            <a:ahLst/>
+            <a:cxnLst/>
+            <a:rect l="l" t="t" r="r" b="b"/>
+            <a:pathLst>
+              <a:path w="423150" h="423150">
+                <a:moveTo>
+                  <a:pt x="211575" y="0"/>
+                </a:moveTo>
+                <a:lnTo>
+                  <a:pt x="211575" y="0"/>
+                </a:lnTo>
+                <a:cubicBezTo>
+                  <a:pt x="328346" y="0"/>
+                  <a:pt x="423150" y="94804"/>
+                  <a:pt x="423150" y="211575"/>
+                </a:cubicBezTo>
+                <a:lnTo>
+                  <a:pt x="423150" y="211575"/>
+                </a:lnTo>
+                <a:cubicBezTo>
+                  <a:pt x="423150" y="328346"/>
+                  <a:pt x="328346" y="423150"/>
+                  <a:pt x="211575" y="423150"/>
+                </a:cubicBezTo>
+                <a:lnTo>
+                  <a:pt x="211575" y="423150"/>
+                </a:lnTo>
+                <a:cubicBezTo>
+                  <a:pt x="94804" y="423150"/>
+                  <a:pt x="0" y="328346"/>
+                  <a:pt x="0" y="211575"/>
+                </a:cubicBezTo>
+                <a:lnTo>
+                  <a:pt x="0" y="211575"/>
+                </a:lnTo>
+                <a:cubicBezTo>
+                  <a:pt x="0" y="94804"/>
+                  <a:pt x="94804" y="0"/>
+                  <a:pt x="211575" y="0"/>
+                </a:cubicBezTo>
+                <a:close/>
+              </a:path>
+            </a:pathLst>
+          </a:custGeom>
+          <a:solidFill>
+            <a:srgbClr val="343A40"/>
+          </a:solidFill>
+          <a:ln/>
+        </p:spPr>
+      </p:sp>
+      <p:sp>
+        <p:nvSpPr>
+          <p:cNvPr id="7" name="Text 10">
+            <a:extLst>
+              <a:ext uri="{FF2B5EF4-FFF2-40B4-BE49-F238E27FC236}">
+                <a16:creationId xmlns:a16="http://schemas.microsoft.com/office/drawing/2014/main" id="{3C6A2EBC-2A42-CC27-E480-4E1D309C960F}"/>
+              </a:ext>
+            </a:extLst>
+          </p:cNvPr>
+          <p:cNvSpPr/>
+          <p:nvPr/>
+        </p:nvSpPr>
+        <p:spPr>
+          <a:xfrm>
+            <a:off x="227017" y="1092411"/>
+            <a:ext cx="511306" cy="423150"/>
+          </a:xfrm>
+          <a:prstGeom prst="rect">
+            <a:avLst/>
+          </a:prstGeom>
+          <a:noFill/>
+          <a:ln/>
+        </p:spPr>
+        <p:txBody>
+          <a:bodyPr wrap="square" lIns="0" tIns="0" rIns="0" bIns="0" rtlCol="0" anchor="ctr"/>
+          <a:lstStyle/>
+          <a:p>
+            <a:pPr algn="ctr">
+              <a:lnSpc>
+                <a:spcPct val="120000"/>
+              </a:lnSpc>
+            </a:pPr>
+            <a:r>
+              <a:rPr lang="en-US" sz="1388" b="1" dirty="0">
+                <a:solidFill>
+                  <a:srgbClr val="FFC107"/>
+                </a:solidFill>
+                <a:latin typeface="阿里妈妈数黑体" pitchFamily="34" charset="0"/>
+                <a:ea typeface="阿里妈妈数黑体" pitchFamily="34" charset="-122"/>
+                <a:cs typeface="阿里妈妈数黑体" pitchFamily="34" charset="-120"/>
+              </a:rPr>
+              <a:t>黄</a:t>
+            </a:r>
+            <a:endParaRPr lang="en-US" sz="1600" dirty="0"/>
+          </a:p>
+        </p:txBody>
+      </p:sp>
+      <p:sp>
+        <p:nvSpPr>
+          <p:cNvPr id="34" name="Text 24">
+            <a:extLst>
+              <a:ext uri="{FF2B5EF4-FFF2-40B4-BE49-F238E27FC236}">
+                <a16:creationId xmlns:a16="http://schemas.microsoft.com/office/drawing/2014/main" id="{B73171CF-61AF-674A-6EEC-C13578DAF508}"/>
+              </a:ext>
+            </a:extLst>
+          </p:cNvPr>
+          <p:cNvSpPr/>
+          <p:nvPr/>
+        </p:nvSpPr>
+        <p:spPr>
+          <a:xfrm>
+            <a:off x="6312123" y="1573445"/>
+            <a:ext cx="1588865" cy="155319"/>
+          </a:xfrm>
+          <a:prstGeom prst="rect">
+            <a:avLst/>
+          </a:prstGeom>
+          <a:noFill/>
+          <a:ln/>
+        </p:spPr>
+        <p:txBody>
+          <a:bodyPr wrap="square" lIns="0" tIns="0" rIns="0" bIns="0" rtlCol="0" anchor="ctr"/>
+          <a:lstStyle/>
+          <a:p>
+            <a:pPr>
+              <a:lnSpc>
+                <a:spcPct val="120000"/>
+              </a:lnSpc>
+            </a:pPr>
+            <a:r>
+              <a:rPr lang="en-US" sz="1388" b="1" dirty="0" err="1">
+                <a:solidFill>
+                  <a:srgbClr val="343A40"/>
+                </a:solidFill>
+                <a:latin typeface="MiSans" pitchFamily="34" charset="0"/>
+                <a:ea typeface="MiSans" pitchFamily="34" charset="-122"/>
+                <a:cs typeface="MiSans" pitchFamily="34" charset="-120"/>
+              </a:rPr>
+              <a:t>谷强</a:t>
+            </a:r>
+            <a:r>
+              <a:rPr lang="zh-CN" altLang="en-US" sz="1388" b="1" dirty="0">
+                <a:solidFill>
+                  <a:srgbClr val="343A40"/>
+                </a:solidFill>
+                <a:latin typeface="MiSans" pitchFamily="34" charset="0"/>
+                <a:ea typeface="MiSans" pitchFamily="34" charset="-122"/>
+                <a:cs typeface="MiSans" pitchFamily="34" charset="-120"/>
+              </a:rPr>
+              <a:t>，评分：</a:t>
+            </a:r>
+            <a:r>
+              <a:rPr lang="en-US" altLang="zh-CN" sz="1388" b="1" dirty="0">
+                <a:solidFill>
+                  <a:srgbClr val="343A40"/>
+                </a:solidFill>
+                <a:latin typeface="MiSans" pitchFamily="34" charset="0"/>
+                <a:ea typeface="MiSans" pitchFamily="34" charset="-122"/>
+                <a:cs typeface="MiSans" pitchFamily="34" charset="-120"/>
+              </a:rPr>
+              <a:t>95</a:t>
+            </a:r>
+            <a:endParaRPr lang="en-US" sz="1600" dirty="0"/>
+          </a:p>
+        </p:txBody>
+      </p:sp>
+      <p:sp>
+        <p:nvSpPr>
+          <p:cNvPr id="35" name="Shape 22">
+            <a:extLst>
+              <a:ext uri="{FF2B5EF4-FFF2-40B4-BE49-F238E27FC236}">
+                <a16:creationId xmlns:a16="http://schemas.microsoft.com/office/drawing/2014/main" id="{AA8CE236-C433-BB2A-7539-B358C1AADFA0}"/>
+              </a:ext>
+            </a:extLst>
+          </p:cNvPr>
+          <p:cNvSpPr/>
+          <p:nvPr/>
+        </p:nvSpPr>
+        <p:spPr>
+          <a:xfrm>
+            <a:off x="6263903" y="1092411"/>
+            <a:ext cx="423150" cy="423150"/>
+          </a:xfrm>
+          <a:custGeom>
+            <a:avLst/>
+            <a:gdLst/>
+            <a:ahLst/>
+            <a:cxnLst/>
+            <a:rect l="l" t="t" r="r" b="b"/>
+            <a:pathLst>
+              <a:path w="423150" h="423150">
+                <a:moveTo>
+                  <a:pt x="211575" y="0"/>
+                </a:moveTo>
+                <a:lnTo>
+                  <a:pt x="211575" y="0"/>
+                </a:lnTo>
+                <a:cubicBezTo>
+                  <a:pt x="328346" y="0"/>
+                  <a:pt x="423150" y="94804"/>
+                  <a:pt x="423150" y="211575"/>
+                </a:cubicBezTo>
+                <a:lnTo>
+                  <a:pt x="423150" y="211575"/>
+                </a:lnTo>
+                <a:cubicBezTo>
+                  <a:pt x="423150" y="328346"/>
+                  <a:pt x="328346" y="423150"/>
+                  <a:pt x="211575" y="423150"/>
+                </a:cubicBezTo>
+                <a:lnTo>
+                  <a:pt x="211575" y="423150"/>
+                </a:lnTo>
+                <a:cubicBezTo>
+                  <a:pt x="94804" y="423150"/>
+                  <a:pt x="0" y="328346"/>
+                  <a:pt x="0" y="211575"/>
+                </a:cubicBezTo>
+                <a:lnTo>
+                  <a:pt x="0" y="211575"/>
+                </a:lnTo>
+                <a:cubicBezTo>
+                  <a:pt x="0" y="94804"/>
+                  <a:pt x="94804" y="0"/>
+                  <a:pt x="211575" y="0"/>
+                </a:cubicBezTo>
+                <a:close/>
+              </a:path>
+            </a:pathLst>
+          </a:custGeom>
+          <a:solidFill>
+            <a:srgbClr val="0056B3"/>
+          </a:solidFill>
+          <a:ln/>
+        </p:spPr>
+      </p:sp>
+      <p:sp>
+        <p:nvSpPr>
+          <p:cNvPr id="36" name="Text 23">
+            <a:extLst>
+              <a:ext uri="{FF2B5EF4-FFF2-40B4-BE49-F238E27FC236}">
+                <a16:creationId xmlns:a16="http://schemas.microsoft.com/office/drawing/2014/main" id="{E5A97ACC-58C5-D9A8-E53D-06EAA852D9FF}"/>
+              </a:ext>
+            </a:extLst>
+          </p:cNvPr>
+          <p:cNvSpPr/>
+          <p:nvPr/>
+        </p:nvSpPr>
+        <p:spPr>
+          <a:xfrm>
+            <a:off x="6219825" y="1092411"/>
+            <a:ext cx="511306" cy="423150"/>
+          </a:xfrm>
+          <a:prstGeom prst="rect">
+            <a:avLst/>
+          </a:prstGeom>
+          <a:noFill/>
+          <a:ln/>
+        </p:spPr>
+        <p:txBody>
+          <a:bodyPr wrap="square" lIns="0" tIns="0" rIns="0" bIns="0" rtlCol="0" anchor="ctr"/>
+          <a:lstStyle/>
+          <a:p>
+            <a:pPr algn="ctr">
+              <a:lnSpc>
+                <a:spcPct val="120000"/>
+              </a:lnSpc>
+            </a:pPr>
+            <a:r>
+              <a:rPr lang="en-US" sz="1388" b="1" dirty="0">
+                <a:solidFill>
+                  <a:srgbClr val="F8F9FA"/>
+                </a:solidFill>
+                <a:latin typeface="阿里妈妈数黑体" pitchFamily="34" charset="0"/>
+                <a:ea typeface="阿里妈妈数黑体" pitchFamily="34" charset="-122"/>
+                <a:cs typeface="阿里妈妈数黑体" pitchFamily="34" charset="-120"/>
+              </a:rPr>
+              <a:t>谷</a:t>
+            </a:r>
+            <a:endParaRPr lang="en-US" sz="1600" dirty="0"/>
+          </a:p>
+        </p:txBody>
+      </p:sp>
+      <p:sp>
+        <p:nvSpPr>
+          <p:cNvPr id="37" name="Text 24">
+            <a:extLst>
+              <a:ext uri="{FF2B5EF4-FFF2-40B4-BE49-F238E27FC236}">
+                <a16:creationId xmlns:a16="http://schemas.microsoft.com/office/drawing/2014/main" id="{3E96F6CF-B449-7200-CB59-31EAE2802253}"/>
+              </a:ext>
+            </a:extLst>
+          </p:cNvPr>
+          <p:cNvSpPr/>
+          <p:nvPr/>
+        </p:nvSpPr>
+        <p:spPr>
+          <a:xfrm>
+            <a:off x="271095" y="1602426"/>
+            <a:ext cx="1586280" cy="246837"/>
+          </a:xfrm>
+          <a:prstGeom prst="rect">
+            <a:avLst/>
+          </a:prstGeom>
+          <a:noFill/>
+          <a:ln/>
+        </p:spPr>
+        <p:txBody>
+          <a:bodyPr wrap="square" lIns="0" tIns="0" rIns="0" bIns="0" rtlCol="0" anchor="ctr"/>
+          <a:lstStyle/>
+          <a:p>
+            <a:pPr>
+              <a:lnSpc>
+                <a:spcPct val="120000"/>
+              </a:lnSpc>
+            </a:pPr>
+            <a:r>
+              <a:rPr lang="zh-CN" altLang="en-US" sz="1388" b="1" dirty="0">
+                <a:solidFill>
+                  <a:srgbClr val="343A40"/>
+                </a:solidFill>
+                <a:latin typeface="MiSans" pitchFamily="34" charset="0"/>
+                <a:ea typeface="MiSans" pitchFamily="34" charset="-122"/>
+                <a:cs typeface="MiSans" pitchFamily="34" charset="-120"/>
+              </a:rPr>
+              <a:t>黄飞扬，评分：</a:t>
+            </a:r>
+            <a:r>
+              <a:rPr lang="en-US" altLang="zh-CN" sz="1388" b="1" dirty="0">
+                <a:solidFill>
+                  <a:srgbClr val="343A40"/>
+                </a:solidFill>
+                <a:latin typeface="MiSans" pitchFamily="34" charset="0"/>
+                <a:ea typeface="MiSans" pitchFamily="34" charset="-122"/>
+                <a:cs typeface="MiSans" pitchFamily="34" charset="-120"/>
+              </a:rPr>
+              <a:t>98</a:t>
+            </a:r>
+            <a:endParaRPr lang="en-US" sz="1600" dirty="0"/>
+          </a:p>
+        </p:txBody>
+      </p:sp>
+      <p:sp>
+        <p:nvSpPr>
+          <p:cNvPr id="39" name="文本框 38">
+            <a:extLst>
+              <a:ext uri="{FF2B5EF4-FFF2-40B4-BE49-F238E27FC236}">
+                <a16:creationId xmlns:a16="http://schemas.microsoft.com/office/drawing/2014/main" id="{ECAF1C46-9B08-2B62-1812-1E7D8B255214}"/>
+              </a:ext>
+            </a:extLst>
+          </p:cNvPr>
+          <p:cNvSpPr txBox="1"/>
+          <p:nvPr/>
+        </p:nvSpPr>
+        <p:spPr>
+          <a:xfrm>
+            <a:off x="271095" y="2156414"/>
+            <a:ext cx="5558205" cy="1200329"/>
+          </a:xfrm>
+          <a:prstGeom prst="rect">
+            <a:avLst/>
+          </a:prstGeom>
+          <a:noFill/>
+        </p:spPr>
+        <p:txBody>
+          <a:bodyPr wrap="square">
+            <a:spAutoFit/>
+          </a:bodyPr>
+          <a:lstStyle/>
+          <a:p>
+            <a:r>
+              <a:rPr lang="zh-CN" altLang="en-US" b="0" i="0" dirty="0">
+                <a:effectLst/>
+                <a:latin typeface="Roboto" panose="02000000000000000000" pitchFamily="2" charset="0"/>
+              </a:rPr>
+              <a:t>不仅高质量完成了后端的开发任务，还积极承担了技术指导和质量保障的责任。他展现了扎实的技术功底、强烈的责任心和优秀的团队协作精神。他的工作直接推动了项目的成功，是团队的技术核心和关键贡献者。</a:t>
+            </a:r>
+            <a:endParaRPr lang="zh-CN" altLang="en-US" dirty="0"/>
+          </a:p>
+        </p:txBody>
+      </p:sp>
+      <p:sp>
+        <p:nvSpPr>
+          <p:cNvPr id="41" name="文本框 40">
+            <a:extLst>
+              <a:ext uri="{FF2B5EF4-FFF2-40B4-BE49-F238E27FC236}">
+                <a16:creationId xmlns:a16="http://schemas.microsoft.com/office/drawing/2014/main" id="{5F221EBC-49CE-6FB8-3098-F10A0113F5C9}"/>
+              </a:ext>
+            </a:extLst>
+          </p:cNvPr>
+          <p:cNvSpPr txBox="1"/>
+          <p:nvPr/>
+        </p:nvSpPr>
+        <p:spPr>
+          <a:xfrm>
+            <a:off x="271095" y="3575924"/>
+            <a:ext cx="5558205" cy="2585323"/>
+          </a:xfrm>
+          <a:prstGeom prst="rect">
+            <a:avLst/>
+          </a:prstGeom>
+          <a:noFill/>
+        </p:spPr>
+        <p:txBody>
+          <a:bodyPr wrap="square">
+            <a:spAutoFit/>
+          </a:bodyPr>
+          <a:lstStyle/>
+          <a:p>
+            <a:pPr algn="l">
+              <a:buFont typeface="Arial" panose="020B0604020202020204" pitchFamily="34" charset="0"/>
+              <a:buChar char="•"/>
+            </a:pPr>
+            <a:r>
+              <a:rPr lang="zh-CN" altLang="en-US" b="1" i="0" dirty="0">
+                <a:effectLst/>
+                <a:latin typeface="Roboto" panose="02000000000000000000" pitchFamily="2" charset="0"/>
+              </a:rPr>
+              <a:t>技术引领</a:t>
+            </a:r>
+            <a:r>
+              <a:rPr lang="zh-CN" altLang="en-US" b="0" i="0" dirty="0">
+                <a:effectLst/>
+                <a:latin typeface="Roboto" panose="02000000000000000000" pitchFamily="2" charset="0"/>
+              </a:rPr>
+              <a:t>：率先完成 </a:t>
+            </a:r>
+            <a:r>
+              <a:rPr lang="en-US" altLang="zh-CN" b="0" i="0" dirty="0" err="1">
+                <a:effectLst/>
+                <a:latin typeface="Roboto" panose="02000000000000000000" pitchFamily="2" charset="0"/>
+              </a:rPr>
+              <a:t>FastAPI</a:t>
+            </a:r>
+            <a:r>
+              <a:rPr lang="en-US" altLang="zh-CN" b="0" i="0" dirty="0">
+                <a:effectLst/>
+                <a:latin typeface="Roboto" panose="02000000000000000000" pitchFamily="2" charset="0"/>
+              </a:rPr>
+              <a:t> </a:t>
+            </a:r>
+            <a:r>
+              <a:rPr lang="zh-CN" altLang="en-US" b="0" i="0" dirty="0">
+                <a:effectLst/>
+                <a:latin typeface="Roboto" panose="02000000000000000000" pitchFamily="2" charset="0"/>
+              </a:rPr>
+              <a:t>后端框架搭建，设计高效的数据库模型和 </a:t>
+            </a:r>
+            <a:r>
+              <a:rPr lang="en-US" altLang="zh-CN" b="0" i="0" dirty="0">
+                <a:effectLst/>
+                <a:latin typeface="Roboto" panose="02000000000000000000" pitchFamily="2" charset="0"/>
+              </a:rPr>
+              <a:t>API </a:t>
+            </a:r>
+            <a:r>
+              <a:rPr lang="zh-CN" altLang="en-US" b="0" i="0" dirty="0">
+                <a:effectLst/>
+                <a:latin typeface="Roboto" panose="02000000000000000000" pitchFamily="2" charset="0"/>
+              </a:rPr>
+              <a:t>接口，引入先进的错误处理机制和日志系统</a:t>
+            </a:r>
+          </a:p>
+          <a:p>
+            <a:pPr algn="l">
+              <a:buFont typeface="Arial" panose="020B0604020202020204" pitchFamily="34" charset="0"/>
+              <a:buChar char="•"/>
+            </a:pPr>
+            <a:r>
+              <a:rPr lang="zh-CN" altLang="en-US" b="1" i="0" dirty="0">
+                <a:effectLst/>
+                <a:latin typeface="Roboto" panose="02000000000000000000" pitchFamily="2" charset="0"/>
+              </a:rPr>
+              <a:t>跨职能支持</a:t>
+            </a:r>
+            <a:r>
+              <a:rPr lang="zh-CN" altLang="en-US" b="0" i="0" dirty="0">
+                <a:effectLst/>
+                <a:latin typeface="Roboto" panose="02000000000000000000" pitchFamily="2" charset="0"/>
+              </a:rPr>
+              <a:t>：在前端开发过程中提供及时技术指导，协助解决接口对接难题，主动参与前端代码审查</a:t>
+            </a:r>
+          </a:p>
+          <a:p>
+            <a:pPr algn="l">
+              <a:buFont typeface="Arial" panose="020B0604020202020204" pitchFamily="34" charset="0"/>
+              <a:buChar char="•"/>
+            </a:pPr>
+            <a:r>
+              <a:rPr lang="zh-CN" altLang="en-US" b="1" i="0" dirty="0">
+                <a:effectLst/>
+                <a:latin typeface="Roboto" panose="02000000000000000000" pitchFamily="2" charset="0"/>
+              </a:rPr>
+              <a:t>质量保障</a:t>
+            </a:r>
+            <a:r>
+              <a:rPr lang="zh-CN" altLang="en-US" b="0" i="0" dirty="0">
+                <a:effectLst/>
+                <a:latin typeface="Roboto" panose="02000000000000000000" pitchFamily="2" charset="0"/>
+              </a:rPr>
+              <a:t>：主导后端测试工作，建立完整的自动化测试框架，严格把控代码质量</a:t>
+            </a:r>
+          </a:p>
+          <a:p>
+            <a:pPr algn="l">
+              <a:buFont typeface="Arial" panose="020B0604020202020204" pitchFamily="34" charset="0"/>
+              <a:buChar char="•"/>
+            </a:pPr>
+            <a:r>
+              <a:rPr lang="zh-CN" altLang="en-US" b="1" i="0" dirty="0">
+                <a:effectLst/>
+                <a:latin typeface="Roboto" panose="02000000000000000000" pitchFamily="2" charset="0"/>
+              </a:rPr>
+              <a:t>项目推动</a:t>
+            </a:r>
+            <a:r>
+              <a:rPr lang="zh-CN" altLang="en-US" b="0" i="0" dirty="0">
+                <a:effectLst/>
+                <a:latin typeface="Roboto" panose="02000000000000000000" pitchFamily="2" charset="0"/>
+              </a:rPr>
+              <a:t>：主动识别项目风险并提出解决方案，推动技术决策，在关键节点加班确保进度</a:t>
+            </a:r>
+          </a:p>
+        </p:txBody>
+      </p:sp>
+      <p:sp>
+        <p:nvSpPr>
+          <p:cNvPr id="43" name="文本框 42">
+            <a:extLst>
+              <a:ext uri="{FF2B5EF4-FFF2-40B4-BE49-F238E27FC236}">
+                <a16:creationId xmlns:a16="http://schemas.microsoft.com/office/drawing/2014/main" id="{5A2AE14A-3154-C416-5368-9F1E1546A016}"/>
+              </a:ext>
+            </a:extLst>
+          </p:cNvPr>
+          <p:cNvSpPr txBox="1"/>
+          <p:nvPr/>
+        </p:nvSpPr>
+        <p:spPr>
+          <a:xfrm>
+            <a:off x="6421067" y="1879415"/>
+            <a:ext cx="5340285" cy="1754326"/>
+          </a:xfrm>
+          <a:prstGeom prst="rect">
+            <a:avLst/>
+          </a:prstGeom>
+          <a:noFill/>
+        </p:spPr>
+        <p:txBody>
+          <a:bodyPr wrap="square">
+            <a:spAutoFit/>
+          </a:bodyPr>
+          <a:lstStyle/>
+          <a:p>
+            <a:r>
+              <a:rPr lang="zh-CN" altLang="en-US" b="0" i="0" dirty="0">
+                <a:effectLst/>
+                <a:latin typeface="Roboto" panose="02000000000000000000" pitchFamily="2" charset="0"/>
+              </a:rPr>
+              <a:t>谷强同学在本项目中完成了前端开发的核心任务，实现了良好的用户界面和交互体验。他在技术学习和问题解决方面表现积极，能够按时完成任务。在与后端的协作中也展现出了良好的团队合作精神。建议在未来项目中进一步提升技术深度和项目主动性。</a:t>
+            </a:r>
+            <a:endParaRPr lang="zh-CN" altLang="en-US" dirty="0"/>
+          </a:p>
+        </p:txBody>
+      </p:sp>
+      <p:sp>
+        <p:nvSpPr>
+          <p:cNvPr id="45" name="文本框 44">
+            <a:extLst>
+              <a:ext uri="{FF2B5EF4-FFF2-40B4-BE49-F238E27FC236}">
+                <a16:creationId xmlns:a16="http://schemas.microsoft.com/office/drawing/2014/main" id="{78FBBCE1-35D2-ED04-6A84-BD59D978356D}"/>
+              </a:ext>
+            </a:extLst>
+          </p:cNvPr>
+          <p:cNvSpPr txBox="1"/>
+          <p:nvPr/>
+        </p:nvSpPr>
+        <p:spPr>
+          <a:xfrm>
+            <a:off x="6362700" y="3991422"/>
+            <a:ext cx="5558205" cy="1754326"/>
+          </a:xfrm>
+          <a:prstGeom prst="rect">
+            <a:avLst/>
+          </a:prstGeom>
+          <a:noFill/>
+        </p:spPr>
+        <p:txBody>
+          <a:bodyPr wrap="square">
+            <a:spAutoFit/>
+          </a:bodyPr>
+          <a:lstStyle/>
+          <a:p>
+            <a:pPr algn="l">
+              <a:buFont typeface="Arial" panose="020B0604020202020204" pitchFamily="34" charset="0"/>
+              <a:buChar char="•"/>
+            </a:pPr>
+            <a:r>
+              <a:rPr lang="zh-CN" altLang="en-US" b="1" i="0" dirty="0">
+                <a:effectLst/>
+                <a:latin typeface="Roboto" panose="02000000000000000000" pitchFamily="2" charset="0"/>
+              </a:rPr>
+              <a:t>功能实现</a:t>
+            </a:r>
+            <a:r>
+              <a:rPr lang="zh-CN" altLang="en-US" b="0" i="0" dirty="0">
+                <a:effectLst/>
+                <a:latin typeface="Roboto" panose="02000000000000000000" pitchFamily="2" charset="0"/>
+              </a:rPr>
+              <a:t>：完成了所有前端页面的开发，实现了复杂的对话设置菜单功能，优化了用户交互体验</a:t>
+            </a:r>
+          </a:p>
+          <a:p>
+            <a:pPr algn="l">
+              <a:buFont typeface="Arial" panose="020B0604020202020204" pitchFamily="34" charset="0"/>
+              <a:buChar char="•"/>
+            </a:pPr>
+            <a:r>
+              <a:rPr lang="zh-CN" altLang="en-US" b="1" i="0" dirty="0">
+                <a:effectLst/>
+                <a:latin typeface="Roboto" panose="02000000000000000000" pitchFamily="2" charset="0"/>
+              </a:rPr>
+              <a:t>界面优化</a:t>
+            </a:r>
+            <a:r>
+              <a:rPr lang="zh-CN" altLang="en-US" b="0" i="0" dirty="0">
+                <a:effectLst/>
+                <a:latin typeface="Roboto" panose="02000000000000000000" pitchFamily="2" charset="0"/>
+              </a:rPr>
+              <a:t>：设计并实现直观易用的用户界面，优化页面加载性能和响应速度，确保良好的移动端适配</a:t>
+            </a:r>
+          </a:p>
+          <a:p>
+            <a:pPr algn="l">
+              <a:buFont typeface="Arial" panose="020B0604020202020204" pitchFamily="34" charset="0"/>
+              <a:buChar char="•"/>
+            </a:pPr>
+            <a:r>
+              <a:rPr lang="zh-CN" altLang="en-US" b="1" i="0" dirty="0">
+                <a:effectLst/>
+                <a:latin typeface="Roboto" panose="02000000000000000000" pitchFamily="2" charset="0"/>
+              </a:rPr>
+              <a:t>团队协作</a:t>
+            </a:r>
+            <a:r>
+              <a:rPr lang="zh-CN" altLang="en-US" b="0" i="0" dirty="0">
+                <a:effectLst/>
+                <a:latin typeface="Roboto" panose="02000000000000000000" pitchFamily="2" charset="0"/>
+              </a:rPr>
+              <a:t>：积极与后端沟通接口需求和问题，及时反馈开发进度和问题，配合完成集成测试和问题修复</a:t>
+            </a:r>
+          </a:p>
+        </p:txBody>
+      </p:sp>
+    </p:spTree>
+    <p:extLst>
+      <p:ext uri="{BB962C8B-B14F-4D97-AF65-F5344CB8AC3E}">
+        <p14:creationId xmlns:p14="http://schemas.microsoft.com/office/powerpoint/2010/main" val="860887515"/>
+      </p:ext>
+    </p:extLst>
+  </p:cSld>
+  <p:clrMapOvr>
+    <a:masterClrMapping/>
+  </p:clrMapOvr>
+</p:sld>
+</file>
+
+<file path=ppt/slides/slide15.xml><?xml version="1.0" encoding="utf-8"?>
 <p:sld xmlns:a="http://schemas.openxmlformats.org/drawingml/2006/main" xmlns:r="http://schemas.openxmlformats.org/officeDocument/2006/relationships" xmlns:p="http://schemas.openxmlformats.org/presentationml/2006/main">
   <p:cSld>
     <p:spTree>
@@ -14404,15 +15403,15 @@
           <a:lstStyle/>
           <a:p>
             <a:r>
-              <a:rPr lang="en-US" altLang="zh-CN"/>
-              <a:t>GB/T 8567-2006, </a:t>
-            </a:r>
-            <a:r>
-              <a:rPr lang="zh-CN" altLang="en-US"/>
+              <a:rPr lang="en-US" altLang="zh-CN" dirty="0"/>
+              <a:t>[1]GB/T 8567-2006, </a:t>
+            </a:r>
+            <a:r>
+              <a:rPr lang="zh-CN" altLang="en-US" dirty="0"/>
               <a:t>计算机软件文档编制规范</a:t>
             </a:r>
             <a:r>
-              <a:rPr lang="en-US" altLang="zh-CN"/>
+              <a:rPr lang="en-US" altLang="zh-CN" dirty="0"/>
               <a:t>[S].</a:t>
             </a:r>
             <a:endParaRPr lang="zh-CN" altLang="en-US" dirty="0"/>
@@ -14434,7 +15433,7 @@
         <p:spPr>
           <a:xfrm>
             <a:off x="994636" y="1881404"/>
-            <a:ext cx="6358985" cy="1754326"/>
+            <a:ext cx="6617068" cy="1754326"/>
           </a:xfrm>
           <a:prstGeom prst="rect">
             <a:avLst/>
@@ -14449,7 +15448,7 @@
           <a:p>
             <a:r>
               <a:rPr lang="en-US" altLang="zh-CN" dirty="0"/>
-              <a:t>React Documentation. </a:t>
+              <a:t>[2]React Documentation. </a:t>
             </a:r>
             <a:r>
               <a:rPr lang="en-US" altLang="zh-CN" dirty="0">
@@ -14462,7 +15461,7 @@
           <a:p>
             <a:r>
               <a:rPr lang="en-US" altLang="zh-CN" dirty="0"/>
-              <a:t>TypeScript Documentation. </a:t>
+              <a:t>[3]TypeScript Documentation. </a:t>
             </a:r>
             <a:r>
               <a:rPr lang="en-US" altLang="zh-CN" dirty="0">
@@ -14474,6 +15473,10 @@
           </a:p>
           <a:p>
             <a:r>
+              <a:rPr lang="en-US" altLang="zh-CN" dirty="0"/>
+              <a:t>[4]</a:t>
+            </a:r>
+            <a:r>
               <a:rPr lang="en-US" altLang="zh-CN" dirty="0" err="1"/>
               <a:t>FastAPI</a:t>
             </a:r>
@@ -14492,7 +15495,7 @@
           <a:p>
             <a:r>
               <a:rPr lang="en-US" altLang="zh-CN" dirty="0"/>
-              <a:t>Ant Design Documentation. </a:t>
+              <a:t>[5]Ant Design Documentation. </a:t>
             </a:r>
             <a:r>
               <a:rPr lang="en-US" altLang="zh-CN" dirty="0">
@@ -14505,7 +15508,7 @@
           <a:p>
             <a:r>
               <a:rPr lang="en-US" altLang="zh-CN" dirty="0"/>
-              <a:t>MySQL Documentation. </a:t>
+              <a:t>[6]MySQL Documentation. </a:t>
             </a:r>
             <a:r>
               <a:rPr lang="en-US" altLang="zh-CN" dirty="0">
@@ -28949,7 +29952,51 @@
                 <a:ea typeface="MiSans" pitchFamily="34" charset="-122"/>
                 <a:cs typeface="MiSans" pitchFamily="34" charset="-120"/>
               </a:rPr>
-              <a:t>，通过API契约协作，提升效率。</a:t>
+              <a:t>，</a:t>
+            </a:r>
+            <a:r>
+              <a:rPr lang="en-US" sz="1200" dirty="0" err="1">
+                <a:solidFill>
+                  <a:srgbClr val="212529"/>
+                </a:solidFill>
+                <a:latin typeface="MiSans" pitchFamily="34" charset="0"/>
+                <a:ea typeface="MiSans" pitchFamily="34" charset="-122"/>
+                <a:cs typeface="MiSans" pitchFamily="34" charset="-120"/>
+              </a:rPr>
+              <a:t>通过API</a:t>
+            </a:r>
+            <a:r>
+              <a:rPr lang="zh-CN" altLang="en-US" sz="1200" dirty="0">
+                <a:solidFill>
+                  <a:srgbClr val="212529"/>
+                </a:solidFill>
+                <a:latin typeface="MiSans" pitchFamily="34" charset="0"/>
+                <a:ea typeface="MiSans" pitchFamily="34" charset="-122"/>
+                <a:cs typeface="MiSans" pitchFamily="34" charset="-120"/>
+              </a:rPr>
+              <a:t>进行</a:t>
+            </a:r>
+            <a:r>
+              <a:rPr lang="en-US" sz="1200" dirty="0" err="1">
+                <a:solidFill>
+                  <a:srgbClr val="212529"/>
+                </a:solidFill>
+                <a:latin typeface="MiSans" pitchFamily="34" charset="0"/>
+                <a:ea typeface="MiSans" pitchFamily="34" charset="-122"/>
+                <a:cs typeface="MiSans" pitchFamily="34" charset="-120"/>
+              </a:rPr>
+              <a:t>契约协作，提升效率</a:t>
+            </a:r>
+            <a:r>
+              <a:rPr lang="en-US" sz="1200" dirty="0">
+                <a:solidFill>
+                  <a:srgbClr val="212529"/>
+                </a:solidFill>
+                <a:latin typeface="MiSans" pitchFamily="34" charset="0"/>
+                <a:ea typeface="MiSans" pitchFamily="34" charset="-122"/>
+                <a:cs typeface="MiSans" pitchFamily="34" charset="-120"/>
+              </a:rPr>
+              <a:t>。</a:t>
             </a:r>
             <a:endParaRPr lang="en-US" sz="1600" dirty="0"/>
           </a:p>
@@ -29938,152 +30985,6 @@
                 <a:cs typeface="MiSans" pitchFamily="34" charset="-120"/>
               </a:rPr>
               <a:t>三大维度。</a:t>
-            </a:r>
-            <a:endParaRPr lang="en-US" sz="1600" dirty="0"/>
-          </a:p>
-        </p:txBody>
-      </p:sp>
-      <p:sp>
-        <p:nvSpPr>
-          <p:cNvPr id="56" name="Shape 53"/>
-          <p:cNvSpPr/>
-          <p:nvPr/>
-        </p:nvSpPr>
-        <p:spPr>
-          <a:xfrm>
-            <a:off x="8254893" y="4188023"/>
-            <a:ext cx="3400425" cy="876300"/>
-          </a:xfrm>
-          <a:custGeom>
-            <a:avLst/>
-            <a:gdLst/>
-            <a:ahLst/>
-            <a:cxnLst/>
-            <a:rect l="l" t="t" r="r" b="b"/>
-            <a:pathLst>
-              <a:path w="3400425" h="876300">
-                <a:moveTo>
-                  <a:pt x="76203" y="0"/>
-                </a:moveTo>
-                <a:lnTo>
-                  <a:pt x="3324222" y="0"/>
-                </a:lnTo>
-                <a:cubicBezTo>
-                  <a:pt x="3366308" y="0"/>
-                  <a:pt x="3400425" y="34117"/>
-                  <a:pt x="3400425" y="76203"/>
-                </a:cubicBezTo>
-                <a:lnTo>
-                  <a:pt x="3400425" y="800097"/>
-                </a:lnTo>
-                <a:cubicBezTo>
-                  <a:pt x="3400425" y="842183"/>
-                  <a:pt x="3366308" y="876300"/>
-                  <a:pt x="3324222" y="876300"/>
-                </a:cubicBezTo>
-                <a:lnTo>
-                  <a:pt x="76203" y="876300"/>
-                </a:lnTo>
-                <a:cubicBezTo>
-                  <a:pt x="34117" y="876300"/>
-                  <a:pt x="0" y="842183"/>
-                  <a:pt x="0" y="800097"/>
-                </a:cubicBezTo>
-                <a:lnTo>
-                  <a:pt x="0" y="76203"/>
-                </a:lnTo>
-                <a:cubicBezTo>
-                  <a:pt x="0" y="34145"/>
-                  <a:pt x="34145" y="0"/>
-                  <a:pt x="76203" y="0"/>
-                </a:cubicBezTo>
-                <a:close/>
-              </a:path>
-            </a:pathLst>
-          </a:custGeom>
-          <a:solidFill>
-            <a:srgbClr val="FFC107"/>
-          </a:solidFill>
-          <a:ln/>
-        </p:spPr>
-      </p:sp>
-      <p:sp>
-        <p:nvSpPr>
-          <p:cNvPr id="57" name="Text 54"/>
-          <p:cNvSpPr/>
-          <p:nvPr/>
-        </p:nvSpPr>
-        <p:spPr>
-          <a:xfrm>
-            <a:off x="8331028" y="4302258"/>
-            <a:ext cx="3248025" cy="228600"/>
-          </a:xfrm>
-          <a:prstGeom prst="rect">
-            <a:avLst/>
-          </a:prstGeom>
-          <a:noFill/>
-          <a:ln/>
-        </p:spPr>
-        <p:txBody>
-          <a:bodyPr wrap="square" lIns="0" tIns="0" rIns="0" bIns="0" rtlCol="0" anchor="ctr"/>
-          <a:lstStyle/>
-          <a:p>
-            <a:pPr algn="ctr">
-              <a:lnSpc>
-                <a:spcPct val="130000"/>
-              </a:lnSpc>
-            </a:pPr>
-            <a:r>
-              <a:rPr lang="en-US" sz="1200" dirty="0">
-                <a:solidFill>
-                  <a:srgbClr val="343A40"/>
-                </a:solidFill>
-                <a:latin typeface="MiSans" pitchFamily="34" charset="0"/>
-                <a:ea typeface="MiSans" pitchFamily="34" charset="-122"/>
-                <a:cs typeface="MiSans" pitchFamily="34" charset="-120"/>
-              </a:rPr>
-              <a:t>测试用例通过率</a:t>
-            </a:r>
-            <a:endParaRPr lang="en-US" sz="1600" dirty="0"/>
-          </a:p>
-        </p:txBody>
-      </p:sp>
-      <p:sp>
-        <p:nvSpPr>
-          <p:cNvPr id="58" name="Text 55"/>
-          <p:cNvSpPr/>
-          <p:nvPr/>
-        </p:nvSpPr>
-        <p:spPr>
-          <a:xfrm>
-            <a:off x="8283403" y="4568861"/>
-            <a:ext cx="3343275" cy="381000"/>
-          </a:xfrm>
-          <a:prstGeom prst="rect">
-            <a:avLst/>
-          </a:prstGeom>
-          <a:noFill/>
-          <a:ln/>
-        </p:spPr>
-        <p:txBody>
-          <a:bodyPr wrap="square" lIns="0" tIns="0" rIns="0" bIns="0" rtlCol="0" anchor="ctr"/>
-          <a:lstStyle/>
-          <a:p>
-            <a:pPr algn="ctr">
-              <a:lnSpc>
-                <a:spcPct val="90000"/>
-              </a:lnSpc>
-            </a:pPr>
-            <a:r>
-              <a:rPr lang="en-US" sz="2700" b="1" dirty="0">
-                <a:solidFill>
-                  <a:srgbClr val="343A40"/>
-                </a:solidFill>
-                <a:latin typeface="阿里妈妈数黑体" pitchFamily="34" charset="0"/>
-                <a:ea typeface="阿里妈妈数黑体" pitchFamily="34" charset="-122"/>
-                <a:cs typeface="阿里妈妈数黑体" pitchFamily="34" charset="-120"/>
-              </a:rPr>
-              <a:t>&gt;90%</a:t>
             </a:r>
             <a:endParaRPr lang="en-US" sz="1600" dirty="0"/>
           </a:p>
@@ -31051,638 +31952,6 @@
                 <a:cs typeface="MiSans" pitchFamily="34" charset="-120"/>
               </a:rPr>
               <a:t>，用户可直接访问使用。</a:t>
-            </a:r>
-            <a:endParaRPr lang="en-US" sz="1600" dirty="0"/>
-          </a:p>
-        </p:txBody>
-      </p:sp>
-      <p:sp>
-        <p:nvSpPr>
-          <p:cNvPr id="13" name="Shape 9"/>
-          <p:cNvSpPr/>
-          <p:nvPr/>
-        </p:nvSpPr>
-        <p:spPr>
-          <a:xfrm>
-            <a:off x="381000" y="6031962"/>
-            <a:ext cx="1638300" cy="723900"/>
-          </a:xfrm>
-          <a:custGeom>
-            <a:avLst/>
-            <a:gdLst/>
-            <a:ahLst/>
-            <a:cxnLst/>
-            <a:rect l="l" t="t" r="r" b="b"/>
-            <a:pathLst>
-              <a:path w="1638300" h="723900">
-                <a:moveTo>
-                  <a:pt x="76198" y="0"/>
-                </a:moveTo>
-                <a:lnTo>
-                  <a:pt x="1562102" y="0"/>
-                </a:lnTo>
-                <a:cubicBezTo>
-                  <a:pt x="1604157" y="0"/>
-                  <a:pt x="1638300" y="34143"/>
-                  <a:pt x="1638300" y="76198"/>
-                </a:cubicBezTo>
-                <a:lnTo>
-                  <a:pt x="1638300" y="647702"/>
-                </a:lnTo>
-                <a:cubicBezTo>
-                  <a:pt x="1638300" y="689757"/>
-                  <a:pt x="1604157" y="723900"/>
-                  <a:pt x="1562102" y="723900"/>
-                </a:cubicBezTo>
-                <a:lnTo>
-                  <a:pt x="76198" y="723900"/>
-                </a:lnTo>
-                <a:cubicBezTo>
-                  <a:pt x="34143" y="723900"/>
-                  <a:pt x="0" y="689757"/>
-                  <a:pt x="0" y="647702"/>
-                </a:cubicBezTo>
-                <a:lnTo>
-                  <a:pt x="0" y="76198"/>
-                </a:lnTo>
-                <a:cubicBezTo>
-                  <a:pt x="0" y="34143"/>
-                  <a:pt x="34143" y="0"/>
-                  <a:pt x="76198" y="0"/>
-                </a:cubicBezTo>
-                <a:close/>
-              </a:path>
-            </a:pathLst>
-          </a:custGeom>
-          <a:solidFill>
-            <a:srgbClr val="0056B3"/>
-          </a:solidFill>
-          <a:ln/>
-        </p:spPr>
-      </p:sp>
-      <p:sp>
-        <p:nvSpPr>
-          <p:cNvPr id="14" name="Shape 10"/>
-          <p:cNvSpPr/>
-          <p:nvPr/>
-        </p:nvSpPr>
-        <p:spPr>
-          <a:xfrm>
-            <a:off x="1085818" y="6146197"/>
-            <a:ext cx="228600" cy="228600"/>
-          </a:xfrm>
-          <a:custGeom>
-            <a:avLst/>
-            <a:gdLst/>
-            <a:ahLst/>
-            <a:cxnLst/>
-            <a:rect l="l" t="t" r="r" b="b"/>
-            <a:pathLst>
-              <a:path w="228600" h="228600">
-                <a:moveTo>
-                  <a:pt x="114300" y="228600"/>
-                </a:moveTo>
-                <a:cubicBezTo>
-                  <a:pt x="177384" y="228600"/>
-                  <a:pt x="228600" y="177384"/>
-                  <a:pt x="228600" y="114300"/>
-                </a:cubicBezTo>
-                <a:cubicBezTo>
-                  <a:pt x="228600" y="51216"/>
-                  <a:pt x="177384" y="0"/>
-                  <a:pt x="114300" y="0"/>
-                </a:cubicBezTo>
-                <a:cubicBezTo>
-                  <a:pt x="51216" y="0"/>
-                  <a:pt x="0" y="51216"/>
-                  <a:pt x="0" y="114300"/>
-                </a:cubicBezTo>
-                <a:cubicBezTo>
-                  <a:pt x="0" y="177384"/>
-                  <a:pt x="51216" y="228600"/>
-                  <a:pt x="114300" y="228600"/>
-                </a:cubicBezTo>
-                <a:close/>
-                <a:moveTo>
-                  <a:pt x="151983" y="94967"/>
-                </a:moveTo>
-                <a:lnTo>
-                  <a:pt x="116265" y="152117"/>
-                </a:lnTo>
-                <a:cubicBezTo>
-                  <a:pt x="114389" y="155109"/>
-                  <a:pt x="111175" y="156984"/>
-                  <a:pt x="107647" y="157163"/>
-                </a:cubicBezTo>
-                <a:cubicBezTo>
-                  <a:pt x="104120" y="157341"/>
-                  <a:pt x="100727" y="155734"/>
-                  <a:pt x="98628" y="152876"/>
-                </a:cubicBezTo>
-                <a:lnTo>
-                  <a:pt x="77197" y="124301"/>
-                </a:lnTo>
-                <a:cubicBezTo>
-                  <a:pt x="73625" y="119569"/>
-                  <a:pt x="74608" y="112871"/>
-                  <a:pt x="79340" y="109299"/>
-                </a:cubicBezTo>
-                <a:cubicBezTo>
-                  <a:pt x="84073" y="105727"/>
-                  <a:pt x="90770" y="106710"/>
-                  <a:pt x="94342" y="111443"/>
-                </a:cubicBezTo>
-                <a:lnTo>
-                  <a:pt x="106397" y="127516"/>
-                </a:lnTo>
-                <a:lnTo>
-                  <a:pt x="133811" y="83627"/>
-                </a:lnTo>
-                <a:cubicBezTo>
-                  <a:pt x="136937" y="78626"/>
-                  <a:pt x="143545" y="77063"/>
-                  <a:pt x="148590" y="80233"/>
-                </a:cubicBezTo>
-                <a:cubicBezTo>
-                  <a:pt x="153635" y="83403"/>
-                  <a:pt x="155153" y="89967"/>
-                  <a:pt x="151983" y="95012"/>
-                </a:cubicBezTo>
-                <a:close/>
-              </a:path>
-            </a:pathLst>
-          </a:custGeom>
-          <a:solidFill>
-            <a:srgbClr val="FFC107"/>
-          </a:solidFill>
-          <a:ln/>
-        </p:spPr>
-      </p:sp>
-      <p:sp>
-        <p:nvSpPr>
-          <p:cNvPr id="15" name="Text 11"/>
-          <p:cNvSpPr/>
-          <p:nvPr/>
-        </p:nvSpPr>
-        <p:spPr>
-          <a:xfrm>
-            <a:off x="457136" y="6415939"/>
-            <a:ext cx="1485900" cy="228600"/>
-          </a:xfrm>
-          <a:prstGeom prst="rect">
-            <a:avLst/>
-          </a:prstGeom>
-          <a:noFill/>
-          <a:ln/>
-        </p:spPr>
-        <p:txBody>
-          <a:bodyPr wrap="square" lIns="0" tIns="0" rIns="0" bIns="0" rtlCol="0" anchor="ctr"/>
-          <a:lstStyle/>
-          <a:p>
-            <a:pPr algn="ctr">
-              <a:lnSpc>
-                <a:spcPct val="130000"/>
-              </a:lnSpc>
-            </a:pPr>
-            <a:r>
-              <a:rPr lang="en-US" sz="1200" b="1" dirty="0">
-                <a:solidFill>
-                  <a:srgbClr val="F8F9FA"/>
-                </a:solidFill>
-                <a:latin typeface="MiSans" pitchFamily="34" charset="0"/>
-                <a:ea typeface="MiSans" pitchFamily="34" charset="-122"/>
-                <a:cs typeface="MiSans" pitchFamily="34" charset="-120"/>
-              </a:rPr>
-              <a:t>功能完整</a:t>
-            </a:r>
-            <a:endParaRPr lang="en-US" sz="1600" dirty="0"/>
-          </a:p>
-        </p:txBody>
-      </p:sp>
-      <p:sp>
-        <p:nvSpPr>
-          <p:cNvPr id="16" name="Shape 12"/>
-          <p:cNvSpPr/>
-          <p:nvPr/>
-        </p:nvSpPr>
-        <p:spPr>
-          <a:xfrm>
-            <a:off x="2133552" y="6031962"/>
-            <a:ext cx="1638300" cy="723900"/>
-          </a:xfrm>
-          <a:custGeom>
-            <a:avLst/>
-            <a:gdLst/>
-            <a:ahLst/>
-            <a:cxnLst/>
-            <a:rect l="l" t="t" r="r" b="b"/>
-            <a:pathLst>
-              <a:path w="1638300" h="723900">
-                <a:moveTo>
-                  <a:pt x="76198" y="0"/>
-                </a:moveTo>
-                <a:lnTo>
-                  <a:pt x="1562102" y="0"/>
-                </a:lnTo>
-                <a:cubicBezTo>
-                  <a:pt x="1604157" y="0"/>
-                  <a:pt x="1638300" y="34143"/>
-                  <a:pt x="1638300" y="76198"/>
-                </a:cubicBezTo>
-                <a:lnTo>
-                  <a:pt x="1638300" y="647702"/>
-                </a:lnTo>
-                <a:cubicBezTo>
-                  <a:pt x="1638300" y="689757"/>
-                  <a:pt x="1604157" y="723900"/>
-                  <a:pt x="1562102" y="723900"/>
-                </a:cubicBezTo>
-                <a:lnTo>
-                  <a:pt x="76198" y="723900"/>
-                </a:lnTo>
-                <a:cubicBezTo>
-                  <a:pt x="34143" y="723900"/>
-                  <a:pt x="0" y="689757"/>
-                  <a:pt x="0" y="647702"/>
-                </a:cubicBezTo>
-                <a:lnTo>
-                  <a:pt x="0" y="76198"/>
-                </a:lnTo>
-                <a:cubicBezTo>
-                  <a:pt x="0" y="34143"/>
-                  <a:pt x="34143" y="0"/>
-                  <a:pt x="76198" y="0"/>
-                </a:cubicBezTo>
-                <a:close/>
-              </a:path>
-            </a:pathLst>
-          </a:custGeom>
-          <a:solidFill>
-            <a:srgbClr val="0056B3"/>
-          </a:solidFill>
-          <a:ln/>
-        </p:spPr>
-      </p:sp>
-      <p:sp>
-        <p:nvSpPr>
-          <p:cNvPr id="17" name="Shape 13"/>
-          <p:cNvSpPr/>
-          <p:nvPr/>
-        </p:nvSpPr>
-        <p:spPr>
-          <a:xfrm>
-            <a:off x="2838369" y="6146197"/>
-            <a:ext cx="228600" cy="228600"/>
-          </a:xfrm>
-          <a:custGeom>
-            <a:avLst/>
-            <a:gdLst/>
-            <a:ahLst/>
-            <a:cxnLst/>
-            <a:rect l="l" t="t" r="r" b="b"/>
-            <a:pathLst>
-              <a:path w="228600" h="228600">
-                <a:moveTo>
-                  <a:pt x="114300" y="0"/>
-                </a:moveTo>
-                <a:cubicBezTo>
-                  <a:pt x="116354" y="0"/>
-                  <a:pt x="118408" y="446"/>
-                  <a:pt x="120283" y="1295"/>
-                </a:cubicBezTo>
-                <a:lnTo>
-                  <a:pt x="204401" y="36969"/>
-                </a:lnTo>
-                <a:cubicBezTo>
-                  <a:pt x="214223" y="41121"/>
-                  <a:pt x="221546" y="50810"/>
-                  <a:pt x="221501" y="62508"/>
-                </a:cubicBezTo>
-                <a:cubicBezTo>
-                  <a:pt x="221278" y="106799"/>
-                  <a:pt x="203061" y="187836"/>
-                  <a:pt x="126132" y="224671"/>
-                </a:cubicBezTo>
-                <a:cubicBezTo>
-                  <a:pt x="118676" y="228243"/>
-                  <a:pt x="110014" y="228243"/>
-                  <a:pt x="102557" y="224671"/>
-                </a:cubicBezTo>
-                <a:cubicBezTo>
-                  <a:pt x="25584" y="187836"/>
-                  <a:pt x="7412" y="106799"/>
-                  <a:pt x="7188" y="62508"/>
-                </a:cubicBezTo>
-                <a:cubicBezTo>
-                  <a:pt x="7144" y="50810"/>
-                  <a:pt x="14466" y="41121"/>
-                  <a:pt x="24289" y="36969"/>
-                </a:cubicBezTo>
-                <a:lnTo>
-                  <a:pt x="108362" y="1295"/>
-                </a:lnTo>
-                <a:cubicBezTo>
-                  <a:pt x="110237" y="446"/>
-                  <a:pt x="112246" y="0"/>
-                  <a:pt x="114300" y="0"/>
-                </a:cubicBezTo>
-                <a:close/>
-                <a:moveTo>
-                  <a:pt x="114300" y="29825"/>
-                </a:moveTo>
-                <a:lnTo>
-                  <a:pt x="114300" y="198641"/>
-                </a:lnTo>
-                <a:cubicBezTo>
-                  <a:pt x="175915" y="168816"/>
-                  <a:pt x="192479" y="102736"/>
-                  <a:pt x="192881" y="63178"/>
-                </a:cubicBezTo>
-                <a:lnTo>
-                  <a:pt x="114300" y="29870"/>
-                </a:lnTo>
-                <a:lnTo>
-                  <a:pt x="114300" y="29870"/>
-                </a:lnTo>
-                <a:close/>
-              </a:path>
-            </a:pathLst>
-          </a:custGeom>
-          <a:solidFill>
-            <a:srgbClr val="FFC107"/>
-          </a:solidFill>
-          <a:ln/>
-        </p:spPr>
-      </p:sp>
-      <p:sp>
-        <p:nvSpPr>
-          <p:cNvPr id="18" name="Text 14"/>
-          <p:cNvSpPr/>
-          <p:nvPr/>
-        </p:nvSpPr>
-        <p:spPr>
-          <a:xfrm>
-            <a:off x="2209687" y="6415939"/>
-            <a:ext cx="1485900" cy="228600"/>
-          </a:xfrm>
-          <a:prstGeom prst="rect">
-            <a:avLst/>
-          </a:prstGeom>
-          <a:noFill/>
-          <a:ln/>
-        </p:spPr>
-        <p:txBody>
-          <a:bodyPr wrap="square" lIns="0" tIns="0" rIns="0" bIns="0" rtlCol="0" anchor="ctr"/>
-          <a:lstStyle/>
-          <a:p>
-            <a:pPr algn="ctr">
-              <a:lnSpc>
-                <a:spcPct val="130000"/>
-              </a:lnSpc>
-            </a:pPr>
-            <a:r>
-              <a:rPr lang="en-US" sz="1200" b="1" dirty="0">
-                <a:solidFill>
-                  <a:srgbClr val="F8F9FA"/>
-                </a:solidFill>
-                <a:latin typeface="MiSans" pitchFamily="34" charset="0"/>
-                <a:ea typeface="MiSans" pitchFamily="34" charset="-122"/>
-                <a:cs typeface="MiSans" pitchFamily="34" charset="-120"/>
-              </a:rPr>
-              <a:t>安全可靠</a:t>
-            </a:r>
-            <a:endParaRPr lang="en-US" sz="1600" dirty="0"/>
-          </a:p>
-        </p:txBody>
-      </p:sp>
-      <p:sp>
-        <p:nvSpPr>
-          <p:cNvPr id="19" name="Shape 15"/>
-          <p:cNvSpPr/>
-          <p:nvPr/>
-        </p:nvSpPr>
-        <p:spPr>
-          <a:xfrm>
-            <a:off x="3886103" y="6031962"/>
-            <a:ext cx="1638300" cy="723900"/>
-          </a:xfrm>
-          <a:custGeom>
-            <a:avLst/>
-            <a:gdLst/>
-            <a:ahLst/>
-            <a:cxnLst/>
-            <a:rect l="l" t="t" r="r" b="b"/>
-            <a:pathLst>
-              <a:path w="1638300" h="723900">
-                <a:moveTo>
-                  <a:pt x="76198" y="0"/>
-                </a:moveTo>
-                <a:lnTo>
-                  <a:pt x="1562102" y="0"/>
-                </a:lnTo>
-                <a:cubicBezTo>
-                  <a:pt x="1604157" y="0"/>
-                  <a:pt x="1638300" y="34143"/>
-                  <a:pt x="1638300" y="76198"/>
-                </a:cubicBezTo>
-                <a:lnTo>
-                  <a:pt x="1638300" y="647702"/>
-                </a:lnTo>
-                <a:cubicBezTo>
-                  <a:pt x="1638300" y="689757"/>
-                  <a:pt x="1604157" y="723900"/>
-                  <a:pt x="1562102" y="723900"/>
-                </a:cubicBezTo>
-                <a:lnTo>
-                  <a:pt x="76198" y="723900"/>
-                </a:lnTo>
-                <a:cubicBezTo>
-                  <a:pt x="34143" y="723900"/>
-                  <a:pt x="0" y="689757"/>
-                  <a:pt x="0" y="647702"/>
-                </a:cubicBezTo>
-                <a:lnTo>
-                  <a:pt x="0" y="76198"/>
-                </a:lnTo>
-                <a:cubicBezTo>
-                  <a:pt x="0" y="34143"/>
-                  <a:pt x="34143" y="0"/>
-                  <a:pt x="76198" y="0"/>
-                </a:cubicBezTo>
-                <a:close/>
-              </a:path>
-            </a:pathLst>
-          </a:custGeom>
-          <a:solidFill>
-            <a:srgbClr val="0056B3"/>
-          </a:solidFill>
-          <a:ln/>
-        </p:spPr>
-      </p:sp>
-      <p:sp>
-        <p:nvSpPr>
-          <p:cNvPr id="20" name="Shape 16"/>
-          <p:cNvSpPr/>
-          <p:nvPr/>
-        </p:nvSpPr>
-        <p:spPr>
-          <a:xfrm>
-            <a:off x="4591001" y="6146197"/>
-            <a:ext cx="228600" cy="228600"/>
-          </a:xfrm>
-          <a:custGeom>
-            <a:avLst/>
-            <a:gdLst/>
-            <a:ahLst/>
-            <a:cxnLst/>
-            <a:rect l="l" t="t" r="r" b="b"/>
-            <a:pathLst>
-              <a:path w="228600" h="228600">
-                <a:moveTo>
-                  <a:pt x="57150" y="142875"/>
-                </a:moveTo>
-                <a:lnTo>
-                  <a:pt x="10939" y="142875"/>
-                </a:lnTo>
-                <a:cubicBezTo>
-                  <a:pt x="-179" y="142875"/>
-                  <a:pt x="-7010" y="130775"/>
-                  <a:pt x="-1295" y="121221"/>
-                </a:cubicBezTo>
-                <a:lnTo>
-                  <a:pt x="22324" y="81841"/>
-                </a:lnTo>
-                <a:cubicBezTo>
-                  <a:pt x="26209" y="75367"/>
-                  <a:pt x="33174" y="71438"/>
-                  <a:pt x="40719" y="71438"/>
-                </a:cubicBezTo>
-                <a:lnTo>
-                  <a:pt x="83135" y="71438"/>
-                </a:lnTo>
-                <a:cubicBezTo>
-                  <a:pt x="117113" y="13886"/>
-                  <a:pt x="167789" y="10984"/>
-                  <a:pt x="201677" y="15939"/>
-                </a:cubicBezTo>
-                <a:cubicBezTo>
-                  <a:pt x="207392" y="16788"/>
-                  <a:pt x="211857" y="21253"/>
-                  <a:pt x="212661" y="26923"/>
-                </a:cubicBezTo>
-                <a:cubicBezTo>
-                  <a:pt x="217616" y="60811"/>
-                  <a:pt x="214714" y="111487"/>
-                  <a:pt x="157163" y="145465"/>
-                </a:cubicBezTo>
-                <a:lnTo>
-                  <a:pt x="157163" y="187881"/>
-                </a:lnTo>
-                <a:cubicBezTo>
-                  <a:pt x="157163" y="195426"/>
-                  <a:pt x="153233" y="202391"/>
-                  <a:pt x="146759" y="206276"/>
-                </a:cubicBezTo>
-                <a:lnTo>
-                  <a:pt x="107379" y="229895"/>
-                </a:lnTo>
-                <a:cubicBezTo>
-                  <a:pt x="97869" y="235610"/>
-                  <a:pt x="85725" y="228734"/>
-                  <a:pt x="85725" y="217661"/>
-                </a:cubicBezTo>
-                <a:lnTo>
-                  <a:pt x="85725" y="171450"/>
-                </a:lnTo>
-                <a:cubicBezTo>
-                  <a:pt x="85725" y="155689"/>
-                  <a:pt x="72911" y="142875"/>
-                  <a:pt x="57150" y="142875"/>
-                </a:cubicBezTo>
-                <a:lnTo>
-                  <a:pt x="57105" y="142875"/>
-                </a:lnTo>
-                <a:close/>
-                <a:moveTo>
-                  <a:pt x="178594" y="71438"/>
-                </a:moveTo>
-                <a:cubicBezTo>
-                  <a:pt x="178594" y="59609"/>
-                  <a:pt x="168991" y="50006"/>
-                  <a:pt x="157163" y="50006"/>
-                </a:cubicBezTo>
-                <a:cubicBezTo>
-                  <a:pt x="145334" y="50006"/>
-                  <a:pt x="135731" y="59609"/>
-                  <a:pt x="135731" y="71438"/>
-                </a:cubicBezTo>
-                <a:cubicBezTo>
-                  <a:pt x="135731" y="83266"/>
-                  <a:pt x="145334" y="92869"/>
-                  <a:pt x="157163" y="92869"/>
-                </a:cubicBezTo>
-                <a:cubicBezTo>
-                  <a:pt x="168991" y="92869"/>
-                  <a:pt x="178594" y="83266"/>
-                  <a:pt x="178594" y="71438"/>
-                </a:cubicBezTo>
-                <a:close/>
-              </a:path>
-            </a:pathLst>
-          </a:custGeom>
-          <a:solidFill>
-            <a:srgbClr val="FFC107"/>
-          </a:solidFill>
-          <a:ln/>
-        </p:spPr>
-      </p:sp>
-      <p:sp>
-        <p:nvSpPr>
-          <p:cNvPr id="21" name="Text 17"/>
-          <p:cNvSpPr/>
-          <p:nvPr/>
-        </p:nvSpPr>
-        <p:spPr>
-          <a:xfrm>
-            <a:off x="3962239" y="6415939"/>
-            <a:ext cx="1485900" cy="228600"/>
-          </a:xfrm>
-          <a:prstGeom prst="rect">
-            <a:avLst/>
-          </a:prstGeom>
-          <a:noFill/>
-          <a:ln/>
-        </p:spPr>
-        <p:txBody>
-          <a:bodyPr wrap="square" lIns="0" tIns="0" rIns="0" bIns="0" rtlCol="0" anchor="ctr"/>
-          <a:lstStyle/>
-          <a:p>
-            <a:pPr algn="ctr">
-              <a:lnSpc>
-                <a:spcPct val="130000"/>
-              </a:lnSpc>
-            </a:pPr>
-            <a:r>
-              <a:rPr lang="en-US" sz="1200" b="1" dirty="0" err="1">
-                <a:solidFill>
-                  <a:srgbClr val="F8F9FA"/>
-                </a:solidFill>
-                <a:latin typeface="MiSans" pitchFamily="34" charset="0"/>
-                <a:ea typeface="MiSans" pitchFamily="34" charset="-122"/>
-                <a:cs typeface="MiSans" pitchFamily="34" charset="-120"/>
-              </a:rPr>
-              <a:t>性能</a:t>
-            </a:r>
-            <a:r>
-              <a:rPr lang="zh-CN" altLang="en-US" sz="1200" b="1" dirty="0">
-                <a:solidFill>
-                  <a:srgbClr val="F8F9FA"/>
-                </a:solidFill>
-                <a:latin typeface="MiSans" pitchFamily="34" charset="0"/>
-                <a:ea typeface="MiSans" pitchFamily="34" charset="-122"/>
-                <a:cs typeface="MiSans" pitchFamily="34" charset="-120"/>
-              </a:rPr>
-              <a:t>良好</a:t>
             </a:r>
             <a:endParaRPr lang="en-US" sz="1600" dirty="0"/>
           </a:p>

--- a/项目文档/演示ppt/G10 项目总结PPT.pptx
+++ b/项目文档/演示ppt/G10 项目总结PPT.pptx
@@ -4295,6 +4295,17 @@
               </a:lnSpc>
             </a:pPr>
             <a:r>
+              <a:rPr lang="en-US" sz="1111">
+                <a:solidFill>
+                  <a:srgbClr val="212529"/>
+                </a:solidFill>
+                <a:latin typeface="MiSans" pitchFamily="34" charset="0"/>
+                <a:ea typeface="MiSans" pitchFamily="34" charset="-122"/>
+                <a:cs typeface="MiSans" pitchFamily="34" charset="-120"/>
+              </a:rPr>
+              <a:t>严格遵循甘特图规划，确保项目按期交付</a:t>
+            </a:r>
+            <a:r>
               <a:rPr lang="en-US" sz="1111" dirty="0">
                 <a:solidFill>
                   <a:srgbClr val="212529"/>
@@ -4303,34 +4314,7 @@
                 <a:ea typeface="MiSans" pitchFamily="34" charset="-122"/>
                 <a:cs typeface="MiSans" pitchFamily="34" charset="-120"/>
               </a:rPr>
-              <a:t>严格遵循甘特图规划，</a:t>
-            </a:r>
-            <a:r>
-              <a:rPr lang="en-US" sz="1111" dirty="0">
-                <a:solidFill>
-                  <a:srgbClr val="0056B3"/>
-                </a:solidFill>
-                <a:highlight>
-                  <a:srgbClr val="0056B3">
-                    <a:alpha val="10000"/>
-                  </a:srgbClr>
-                </a:highlight>
-                <a:latin typeface="MiSans" pitchFamily="34" charset="0"/>
-                <a:ea typeface="MiSans" pitchFamily="34" charset="-122"/>
-                <a:cs typeface="MiSans" pitchFamily="34" charset="-120"/>
-              </a:rPr>
-              <a:t> 所有里程碑节点均按时或提前完成 </a:t>
-            </a:r>
-            <a:r>
-              <a:rPr lang="en-US" sz="1111" dirty="0">
-                <a:solidFill>
-                  <a:srgbClr val="212529"/>
-                </a:solidFill>
-                <a:latin typeface="MiSans" pitchFamily="34" charset="0"/>
-                <a:ea typeface="MiSans" pitchFamily="34" charset="-122"/>
-                <a:cs typeface="MiSans" pitchFamily="34" charset="-120"/>
-              </a:rPr>
-              <a:t>，确保项目按期交付。</a:t>
+              <a:t>。</a:t>
             </a:r>
             <a:endParaRPr lang="en-US" sz="1600" dirty="0"/>
           </a:p>
@@ -20834,11 +20818,162 @@
           </a:p>
         </p:txBody>
       </p:sp>
+      <p:pic>
+        <p:nvPicPr>
+          <p:cNvPr id="24" name="图片 23" descr="图形用户界面, 应用程序, 表格, Excel&#10;&#10;AI 生成的内容可能不正确。">
+            <a:extLst>
+              <a:ext uri="{FF2B5EF4-FFF2-40B4-BE49-F238E27FC236}">
+                <a16:creationId xmlns:a16="http://schemas.microsoft.com/office/drawing/2014/main" id="{D1463BC0-BFD7-663F-C6C0-6C9D6D5C4BE5}"/>
+              </a:ext>
+            </a:extLst>
+          </p:cNvPr>
+          <p:cNvPicPr>
+            <a:picLocks noChangeAspect="1"/>
+          </p:cNvPicPr>
+          <p:nvPr/>
+        </p:nvPicPr>
+        <p:blipFill>
+          <a:blip r:embed="rId5"/>
+          <a:stretch>
+            <a:fillRect/>
+          </a:stretch>
+        </p:blipFill>
+        <p:spPr>
+          <a:xfrm>
+            <a:off x="0" y="843064"/>
+            <a:ext cx="12192000" cy="5633936"/>
+          </a:xfrm>
+          <a:prstGeom prst="rect">
+            <a:avLst/>
+          </a:prstGeom>
+        </p:spPr>
+      </p:pic>
     </p:spTree>
   </p:cSld>
   <p:clrMapOvr>
     <a:masterClrMapping/>
   </p:clrMapOvr>
+  <p:timing>
+    <p:tnLst>
+      <p:par>
+        <p:cTn id="1" dur="indefinite" restart="never" nodeType="tmRoot">
+          <p:childTnLst>
+            <p:seq concurrent="1" nextAc="seek">
+              <p:cTn id="2" dur="indefinite" nodeType="mainSeq">
+                <p:childTnLst>
+                  <p:par>
+                    <p:cTn id="3" fill="hold">
+                      <p:stCondLst>
+                        <p:cond delay="indefinite"/>
+                      </p:stCondLst>
+                      <p:childTnLst>
+                        <p:par>
+                          <p:cTn id="4" fill="hold">
+                            <p:stCondLst>
+                              <p:cond delay="0"/>
+                            </p:stCondLst>
+                            <p:childTnLst>
+                              <p:par>
+                                <p:cTn id="5" presetID="2" presetClass="entr" presetSubtype="4" fill="hold" nodeType="clickEffect">
+                                  <p:stCondLst>
+                                    <p:cond delay="0"/>
+                                  </p:stCondLst>
+                                  <p:childTnLst>
+                                    <p:set>
+                                      <p:cBhvr>
+                                        <p:cTn id="6" dur="1" fill="hold">
+                                          <p:stCondLst>
+                                            <p:cond delay="0"/>
+                                          </p:stCondLst>
+                                        </p:cTn>
+                                        <p:tgtEl>
+                                          <p:spTgt spid="24"/>
+                                        </p:tgtEl>
+                                        <p:attrNameLst>
+                                          <p:attrName>style.visibility</p:attrName>
+                                        </p:attrNameLst>
+                                      </p:cBhvr>
+                                      <p:to>
+                                        <p:strVal val="visible"/>
+                                      </p:to>
+                                    </p:set>
+                                    <p:anim calcmode="lin" valueType="num">
+                                      <p:cBhvr additive="base">
+                                        <p:cTn id="7" dur="500" fill="hold"/>
+                                        <p:tgtEl>
+                                          <p:spTgt spid="24"/>
+                                        </p:tgtEl>
+                                        <p:attrNameLst>
+                                          <p:attrName>ppt_x</p:attrName>
+                                        </p:attrNameLst>
+                                      </p:cBhvr>
+                                      <p:tavLst>
+                                        <p:tav tm="0">
+                                          <p:val>
+                                            <p:strVal val="#ppt_x"/>
+                                          </p:val>
+                                        </p:tav>
+                                        <p:tav tm="100000">
+                                          <p:val>
+                                            <p:strVal val="#ppt_x"/>
+                                          </p:val>
+                                        </p:tav>
+                                      </p:tavLst>
+                                    </p:anim>
+                                    <p:anim calcmode="lin" valueType="num">
+                                      <p:cBhvr additive="base">
+                                        <p:cTn id="8" dur="500" fill="hold"/>
+                                        <p:tgtEl>
+                                          <p:spTgt spid="24"/>
+                                        </p:tgtEl>
+                                        <p:attrNameLst>
+                                          <p:attrName>ppt_y</p:attrName>
+                                        </p:attrNameLst>
+                                      </p:cBhvr>
+                                      <p:tavLst>
+                                        <p:tav tm="0">
+                                          <p:val>
+                                            <p:strVal val="1+#ppt_h/2"/>
+                                          </p:val>
+                                        </p:tav>
+                                        <p:tav tm="100000">
+                                          <p:val>
+                                            <p:strVal val="#ppt_y"/>
+                                          </p:val>
+                                        </p:tav>
+                                      </p:tavLst>
+                                    </p:anim>
+                                  </p:childTnLst>
+                                </p:cTn>
+                              </p:par>
+                            </p:childTnLst>
+                          </p:cTn>
+                        </p:par>
+                      </p:childTnLst>
+                    </p:cTn>
+                  </p:par>
+                </p:childTnLst>
+              </p:cTn>
+              <p:prevCondLst>
+                <p:cond evt="onPrev" delay="0">
+                  <p:tgtEl>
+                    <p:sldTgt/>
+                  </p:tgtEl>
+                </p:cond>
+              </p:prevCondLst>
+              <p:nextCondLst>
+                <p:cond evt="onNext" delay="0">
+                  <p:tgtEl>
+                    <p:sldTgt/>
+                  </p:tgtEl>
+                </p:cond>
+              </p:nextCondLst>
+            </p:seq>
+          </p:childTnLst>
+        </p:cTn>
+      </p:par>
+    </p:tnLst>
+  </p:timing>
 </p:sld>
 </file>
 
